--- a/FInal_Presentation.pptx
+++ b/FInal_Presentation.pptx
@@ -6,6 +6,17 @@
   </p:sldMasterIdLst>
   <p:sldIdLst>
     <p:sldId id="256" r:id="rId2"/>
+    <p:sldId id="257" r:id="rId3"/>
+    <p:sldId id="258" r:id="rId4"/>
+    <p:sldId id="259" r:id="rId5"/>
+    <p:sldId id="260" r:id="rId6"/>
+    <p:sldId id="261" r:id="rId7"/>
+    <p:sldId id="262" r:id="rId8"/>
+    <p:sldId id="263" r:id="rId9"/>
+    <p:sldId id="264" r:id="rId10"/>
+    <p:sldId id="266" r:id="rId11"/>
+    <p:sldId id="265" r:id="rId12"/>
+    <p:sldId id="267" r:id="rId13"/>
   </p:sldIdLst>
   <p:sldSz cx="12192000" cy="6858000"/>
   <p:notesSz cx="6858000" cy="9144000"/>
@@ -104,6 +115,11 @@
       </a:defRPr>
     </a:lvl9pPr>
   </p:defaultTextStyle>
+  <p:extLst>
+    <p:ext uri="{EFAFB233-063F-42B5-8137-9DF3F51BA10A}">
+      <p15:sldGuideLst xmlns:p15="http://schemas.microsoft.com/office/powerpoint/2012/main"/>
+    </p:ext>
+  </p:extLst>
 </p:presentation>
 </file>
 
@@ -176,15 +192,17 @@
           </a:xfrm>
         </p:spPr>
         <p:txBody>
-          <a:bodyPr anchor="b"/>
+          <a:bodyPr anchor="b">
+            <a:normAutofit/>
+          </a:bodyPr>
           <a:lstStyle>
             <a:lvl1pPr algn="ctr">
-              <a:defRPr sz="6000"/>
+              <a:defRPr lang="en-US" dirty="0"/>
             </a:lvl1pPr>
           </a:lstStyle>
           <a:p>
             <a:r>
-              <a:rPr lang="en-US"/>
+              <a:rPr lang="en-US" dirty="0"/>
               <a:t>Click to edit Master title style</a:t>
             </a:r>
           </a:p>
@@ -254,7 +272,7 @@
           </a:lstStyle>
           <a:p>
             <a:r>
-              <a:rPr lang="en-US"/>
+              <a:rPr lang="en-US" dirty="0"/>
               <a:t>Click to edit Master subtitle style</a:t>
             </a:r>
           </a:p>
@@ -283,7 +301,7 @@
           <a:p>
             <a:fld id="{1F48A28A-645A-4081-BFA7-1B6031C7D6BC}" type="datetimeFigureOut">
               <a:rPr lang="en-US" smtClean="0"/>
-              <a:t>11/19/2021</a:t>
+              <a:t>12/3/2021</a:t>
             </a:fld>
             <a:endParaRPr lang="en-US"/>
           </a:p>
@@ -481,7 +499,7 @@
           <a:p>
             <a:fld id="{1F48A28A-645A-4081-BFA7-1B6031C7D6BC}" type="datetimeFigureOut">
               <a:rPr lang="en-US" smtClean="0"/>
-              <a:t>11/19/2021</a:t>
+              <a:t>12/3/2021</a:t>
             </a:fld>
             <a:endParaRPr lang="en-US"/>
           </a:p>
@@ -689,7 +707,7 @@
           <a:p>
             <a:fld id="{1F48A28A-645A-4081-BFA7-1B6031C7D6BC}" type="datetimeFigureOut">
               <a:rPr lang="en-US" smtClean="0"/>
-              <a:t>11/19/2021</a:t>
+              <a:t>12/3/2021</a:t>
             </a:fld>
             <a:endParaRPr lang="en-US"/>
           </a:p>
@@ -801,7 +819,7 @@
           <a:lstStyle/>
           <a:p>
             <a:r>
-              <a:rPr lang="en-US"/>
+              <a:rPr lang="en-US" dirty="0"/>
               <a:t>Click to edit Master title style</a:t>
             </a:r>
           </a:p>
@@ -887,7 +905,7 @@
           <a:p>
             <a:fld id="{1F48A28A-645A-4081-BFA7-1B6031C7D6BC}" type="datetimeFigureOut">
               <a:rPr lang="en-US" smtClean="0"/>
-              <a:t>11/19/2021</a:t>
+              <a:t>12/3/2021</a:t>
             </a:fld>
             <a:endParaRPr lang="en-US"/>
           </a:p>
@@ -1162,7 +1180,7 @@
           <a:p>
             <a:fld id="{1F48A28A-645A-4081-BFA7-1B6031C7D6BC}" type="datetimeFigureOut">
               <a:rPr lang="en-US" smtClean="0"/>
-              <a:t>11/19/2021</a:t>
+              <a:t>12/3/2021</a:t>
             </a:fld>
             <a:endParaRPr lang="en-US"/>
           </a:p>
@@ -1427,7 +1445,7 @@
           <a:p>
             <a:fld id="{1F48A28A-645A-4081-BFA7-1B6031C7D6BC}" type="datetimeFigureOut">
               <a:rPr lang="en-US" smtClean="0"/>
-              <a:t>11/19/2021</a:t>
+              <a:t>12/3/2021</a:t>
             </a:fld>
             <a:endParaRPr lang="en-US"/>
           </a:p>
@@ -1839,7 +1857,7 @@
           <a:p>
             <a:fld id="{1F48A28A-645A-4081-BFA7-1B6031C7D6BC}" type="datetimeFigureOut">
               <a:rPr lang="en-US" smtClean="0"/>
-              <a:t>11/19/2021</a:t>
+              <a:t>12/3/2021</a:t>
             </a:fld>
             <a:endParaRPr lang="en-US"/>
           </a:p>
@@ -1980,7 +1998,7 @@
           <a:p>
             <a:fld id="{1F48A28A-645A-4081-BFA7-1B6031C7D6BC}" type="datetimeFigureOut">
               <a:rPr lang="en-US" smtClean="0"/>
-              <a:t>11/19/2021</a:t>
+              <a:t>12/3/2021</a:t>
             </a:fld>
             <a:endParaRPr lang="en-US"/>
           </a:p>
@@ -2093,7 +2111,7 @@
           <a:p>
             <a:fld id="{1F48A28A-645A-4081-BFA7-1B6031C7D6BC}" type="datetimeFigureOut">
               <a:rPr lang="en-US" smtClean="0"/>
-              <a:t>11/19/2021</a:t>
+              <a:t>12/3/2021</a:t>
             </a:fld>
             <a:endParaRPr lang="en-US"/>
           </a:p>
@@ -2404,7 +2422,7 @@
           <a:p>
             <a:fld id="{1F48A28A-645A-4081-BFA7-1B6031C7D6BC}" type="datetimeFigureOut">
               <a:rPr lang="en-US" smtClean="0"/>
-              <a:t>11/19/2021</a:t>
+              <a:t>12/3/2021</a:t>
             </a:fld>
             <a:endParaRPr lang="en-US"/>
           </a:p>
@@ -2692,7 +2710,7 @@
           <a:p>
             <a:fld id="{1F48A28A-645A-4081-BFA7-1B6031C7D6BC}" type="datetimeFigureOut">
               <a:rPr lang="en-US" smtClean="0"/>
-              <a:t>11/19/2021</a:t>
+              <a:t>12/3/2021</a:t>
             </a:fld>
             <a:endParaRPr lang="en-US"/>
           </a:p>
@@ -2819,7 +2837,7 @@
           <a:lstStyle/>
           <a:p>
             <a:r>
-              <a:rPr lang="en-US"/>
+              <a:rPr lang="en-US" dirty="0"/>
               <a:t>Click to edit Master title style</a:t>
             </a:r>
           </a:p>
@@ -2858,35 +2876,35 @@
           <a:p>
             <a:pPr lvl="0"/>
             <a:r>
-              <a:rPr lang="en-US"/>
+              <a:rPr lang="en-US" dirty="0"/>
               <a:t>Click to edit Master text styles</a:t>
             </a:r>
           </a:p>
           <a:p>
             <a:pPr lvl="1"/>
             <a:r>
-              <a:rPr lang="en-US"/>
+              <a:rPr lang="en-US" dirty="0"/>
               <a:t>Second level</a:t>
             </a:r>
           </a:p>
           <a:p>
             <a:pPr lvl="2"/>
             <a:r>
-              <a:rPr lang="en-US"/>
+              <a:rPr lang="en-US" dirty="0"/>
               <a:t>Third level</a:t>
             </a:r>
           </a:p>
           <a:p>
             <a:pPr lvl="3"/>
             <a:r>
-              <a:rPr lang="en-US"/>
+              <a:rPr lang="en-US" dirty="0"/>
               <a:t>Fourth level</a:t>
             </a:r>
           </a:p>
           <a:p>
             <a:pPr lvl="4"/>
             <a:r>
-              <a:rPr lang="en-US"/>
+              <a:rPr lang="en-US" dirty="0"/>
               <a:t>Fifth level</a:t>
             </a:r>
           </a:p>
@@ -2933,7 +2951,7 @@
           <a:p>
             <a:fld id="{1F48A28A-645A-4081-BFA7-1B6031C7D6BC}" type="datetimeFigureOut">
               <a:rPr lang="en-US" smtClean="0"/>
-              <a:t>11/19/2021</a:t>
+              <a:t>12/3/2021</a:t>
             </a:fld>
             <a:endParaRPr lang="en-US"/>
           </a:p>
@@ -3060,11 +3078,11 @@
           <a:spcPct val="0"/>
         </a:spcBef>
         <a:buNone/>
-        <a:defRPr sz="4400" kern="1200">
+        <a:defRPr sz="4000" kern="1200">
           <a:solidFill>
             <a:schemeClr val="tx1"/>
           </a:solidFill>
-          <a:latin typeface="+mj-lt"/>
+          <a:latin typeface="Segoe UI Variable Display Semib" pitchFamily="2" charset="0"/>
           <a:ea typeface="+mj-ea"/>
           <a:cs typeface="+mj-cs"/>
         </a:defRPr>
@@ -3084,9 +3102,9 @@
           <a:solidFill>
             <a:schemeClr val="tx1"/>
           </a:solidFill>
-          <a:latin typeface="+mn-lt"/>
+          <a:latin typeface="Segoe UI" panose="020B0502040204020203" pitchFamily="34" charset="0"/>
           <a:ea typeface="+mn-ea"/>
-          <a:cs typeface="+mn-cs"/>
+          <a:cs typeface="Segoe UI" panose="020B0502040204020203" pitchFamily="34" charset="0"/>
         </a:defRPr>
       </a:lvl1pPr>
       <a:lvl2pPr marL="685800" indent="-228600" algn="l" defTabSz="914400" rtl="0" eaLnBrk="1" latinLnBrk="0" hangingPunct="1">
@@ -3102,9 +3120,9 @@
           <a:solidFill>
             <a:schemeClr val="tx1"/>
           </a:solidFill>
-          <a:latin typeface="+mn-lt"/>
+          <a:latin typeface="Segoe UI" panose="020B0502040204020203" pitchFamily="34" charset="0"/>
           <a:ea typeface="+mn-ea"/>
-          <a:cs typeface="+mn-cs"/>
+          <a:cs typeface="Segoe UI" panose="020B0502040204020203" pitchFamily="34" charset="0"/>
         </a:defRPr>
       </a:lvl2pPr>
       <a:lvl3pPr marL="1143000" indent="-228600" algn="l" defTabSz="914400" rtl="0" eaLnBrk="1" latinLnBrk="0" hangingPunct="1">
@@ -3120,9 +3138,9 @@
           <a:solidFill>
             <a:schemeClr val="tx1"/>
           </a:solidFill>
-          <a:latin typeface="+mn-lt"/>
+          <a:latin typeface="Segoe UI" panose="020B0502040204020203" pitchFamily="34" charset="0"/>
           <a:ea typeface="+mn-ea"/>
-          <a:cs typeface="+mn-cs"/>
+          <a:cs typeface="Segoe UI" panose="020B0502040204020203" pitchFamily="34" charset="0"/>
         </a:defRPr>
       </a:lvl3pPr>
       <a:lvl4pPr marL="1600200" indent="-228600" algn="l" defTabSz="914400" rtl="0" eaLnBrk="1" latinLnBrk="0" hangingPunct="1">
@@ -3138,9 +3156,9 @@
           <a:solidFill>
             <a:schemeClr val="tx1"/>
           </a:solidFill>
-          <a:latin typeface="+mn-lt"/>
+          <a:latin typeface="Segoe UI" panose="020B0502040204020203" pitchFamily="34" charset="0"/>
           <a:ea typeface="+mn-ea"/>
-          <a:cs typeface="+mn-cs"/>
+          <a:cs typeface="Segoe UI" panose="020B0502040204020203" pitchFamily="34" charset="0"/>
         </a:defRPr>
       </a:lvl4pPr>
       <a:lvl5pPr marL="2057400" indent="-228600" algn="l" defTabSz="914400" rtl="0" eaLnBrk="1" latinLnBrk="0" hangingPunct="1">
@@ -3156,9 +3174,9 @@
           <a:solidFill>
             <a:schemeClr val="tx1"/>
           </a:solidFill>
-          <a:latin typeface="+mn-lt"/>
+          <a:latin typeface="Segoe UI" panose="020B0502040204020203" pitchFamily="34" charset="0"/>
           <a:ea typeface="+mn-ea"/>
-          <a:cs typeface="+mn-cs"/>
+          <a:cs typeface="Segoe UI" panose="020B0502040204020203" pitchFamily="34" charset="0"/>
         </a:defRPr>
       </a:lvl5pPr>
       <a:lvl6pPr marL="2514600" indent="-228600" algn="l" defTabSz="914400" rtl="0" eaLnBrk="1" latinLnBrk="0" hangingPunct="1">
@@ -3371,7 +3389,7 @@
           <a:bodyPr/>
           <a:lstStyle/>
           <a:p>
-            <a:endParaRPr lang="en-US"/>
+            <a:endParaRPr lang="en-US" dirty="0"/>
           </a:p>
         </p:txBody>
       </p:sp>
@@ -3396,7 +3414,10 @@
           <a:bodyPr/>
           <a:lstStyle/>
           <a:p>
-            <a:endParaRPr lang="en-US"/>
+            <a:r>
+              <a:rPr lang="en-US" dirty="0"/>
+              <a:t>A Forecasting Tool for New Jersey Train Delay</a:t>
+            </a:r>
           </a:p>
         </p:txBody>
       </p:sp>
@@ -3410,6 +3431,1060 @@
   <p:clrMapOvr>
     <a:masterClrMapping/>
   </p:clrMapOvr>
+  <mc:AlternateContent xmlns:mc="http://schemas.openxmlformats.org/markup-compatibility/2006" xmlns:p14="http://schemas.microsoft.com/office/powerpoint/2010/main">
+    <mc:Choice Requires="p14">
+      <p:transition spd="slow" p14:dur="2000" advTm="20000"/>
+    </mc:Choice>
+    <mc:Fallback xmlns="">
+      <p:transition spd="slow" advTm="20000"/>
+    </mc:Fallback>
+  </mc:AlternateContent>
+</p:sld>
+</file>
+
+<file path=ppt/slides/slide10.xml><?xml version="1.0" encoding="utf-8"?>
+<p:sld xmlns:a="http://schemas.openxmlformats.org/drawingml/2006/main" xmlns:r="http://schemas.openxmlformats.org/officeDocument/2006/relationships" xmlns:p="http://schemas.openxmlformats.org/presentationml/2006/main">
+  <p:cSld>
+    <p:spTree>
+      <p:nvGrpSpPr>
+        <p:cNvPr id="1" name=""/>
+        <p:cNvGrpSpPr/>
+        <p:nvPr/>
+      </p:nvGrpSpPr>
+      <p:grpSpPr>
+        <a:xfrm>
+          <a:off x="0" y="0"/>
+          <a:ext cx="0" cy="0"/>
+          <a:chOff x="0" y="0"/>
+          <a:chExt cx="0" cy="0"/>
+        </a:xfrm>
+      </p:grpSpPr>
+      <p:sp>
+        <p:nvSpPr>
+          <p:cNvPr id="2" name="Title 1">
+            <a:extLst>
+              <a:ext uri="{FF2B5EF4-FFF2-40B4-BE49-F238E27FC236}">
+                <a16:creationId xmlns:a16="http://schemas.microsoft.com/office/drawing/2014/main" id="{084B9EEF-033A-4D99-9735-EE31E6ED3356}"/>
+              </a:ext>
+            </a:extLst>
+          </p:cNvPr>
+          <p:cNvSpPr>
+            <a:spLocks noGrp="1"/>
+          </p:cNvSpPr>
+          <p:nvPr>
+            <p:ph type="title"/>
+          </p:nvPr>
+        </p:nvSpPr>
+        <p:spPr/>
+        <p:txBody>
+          <a:bodyPr/>
+          <a:lstStyle/>
+          <a:p>
+            <a:endParaRPr lang="en-US" dirty="0"/>
+          </a:p>
+        </p:txBody>
+      </p:sp>
+      <p:sp>
+        <p:nvSpPr>
+          <p:cNvPr id="3" name="Content Placeholder 2">
+            <a:extLst>
+              <a:ext uri="{FF2B5EF4-FFF2-40B4-BE49-F238E27FC236}">
+                <a16:creationId xmlns:a16="http://schemas.microsoft.com/office/drawing/2014/main" id="{17D041C9-7915-4F09-9CF4-C6EBEBFBFD9B}"/>
+              </a:ext>
+            </a:extLst>
+          </p:cNvPr>
+          <p:cNvSpPr>
+            <a:spLocks noGrp="1"/>
+          </p:cNvSpPr>
+          <p:nvPr>
+            <p:ph idx="1"/>
+          </p:nvPr>
+        </p:nvSpPr>
+        <p:spPr/>
+        <p:txBody>
+          <a:bodyPr/>
+          <a:lstStyle/>
+          <a:p>
+            <a:endParaRPr lang="en-US"/>
+          </a:p>
+        </p:txBody>
+      </p:sp>
+    </p:spTree>
+    <p:extLst>
+      <p:ext uri="{BB962C8B-B14F-4D97-AF65-F5344CB8AC3E}">
+        <p14:creationId xmlns:p14="http://schemas.microsoft.com/office/powerpoint/2010/main" val="3462749974"/>
+      </p:ext>
+    </p:extLst>
+  </p:cSld>
+  <p:clrMapOvr>
+    <a:masterClrMapping/>
+  </p:clrMapOvr>
+  <mc:AlternateContent xmlns:mc="http://schemas.openxmlformats.org/markup-compatibility/2006" xmlns:p14="http://schemas.microsoft.com/office/powerpoint/2010/main">
+    <mc:Choice Requires="p14">
+      <p:transition spd="slow" p14:dur="2000" advTm="20000"/>
+    </mc:Choice>
+    <mc:Fallback xmlns="">
+      <p:transition spd="slow" advTm="20000"/>
+    </mc:Fallback>
+  </mc:AlternateContent>
+</p:sld>
+</file>
+
+<file path=ppt/slides/slide11.xml><?xml version="1.0" encoding="utf-8"?>
+<p:sld xmlns:a="http://schemas.openxmlformats.org/drawingml/2006/main" xmlns:r="http://schemas.openxmlformats.org/officeDocument/2006/relationships" xmlns:p="http://schemas.openxmlformats.org/presentationml/2006/main">
+  <p:cSld>
+    <p:spTree>
+      <p:nvGrpSpPr>
+        <p:cNvPr id="1" name=""/>
+        <p:cNvGrpSpPr/>
+        <p:nvPr/>
+      </p:nvGrpSpPr>
+      <p:grpSpPr>
+        <a:xfrm>
+          <a:off x="0" y="0"/>
+          <a:ext cx="0" cy="0"/>
+          <a:chOff x="0" y="0"/>
+          <a:chExt cx="0" cy="0"/>
+        </a:xfrm>
+      </p:grpSpPr>
+      <p:sp>
+        <p:nvSpPr>
+          <p:cNvPr id="2" name="Title 1">
+            <a:extLst>
+              <a:ext uri="{FF2B5EF4-FFF2-40B4-BE49-F238E27FC236}">
+                <a16:creationId xmlns:a16="http://schemas.microsoft.com/office/drawing/2014/main" id="{7E8140C3-BA47-49D2-AB07-D77157DE8C7B}"/>
+              </a:ext>
+            </a:extLst>
+          </p:cNvPr>
+          <p:cNvSpPr>
+            <a:spLocks noGrp="1"/>
+          </p:cNvSpPr>
+          <p:nvPr>
+            <p:ph type="title"/>
+          </p:nvPr>
+        </p:nvSpPr>
+        <p:spPr/>
+        <p:txBody>
+          <a:bodyPr/>
+          <a:lstStyle/>
+          <a:p>
+            <a:r>
+              <a:rPr lang="en-US" dirty="0"/>
+              <a:t>Comparing Accuracy</a:t>
+            </a:r>
+          </a:p>
+        </p:txBody>
+      </p:sp>
+      <p:sp>
+        <p:nvSpPr>
+          <p:cNvPr id="3" name="Content Placeholder 2">
+            <a:extLst>
+              <a:ext uri="{FF2B5EF4-FFF2-40B4-BE49-F238E27FC236}">
+                <a16:creationId xmlns:a16="http://schemas.microsoft.com/office/drawing/2014/main" id="{C79B80EC-FF43-4B2C-9374-F6C393F4557B}"/>
+              </a:ext>
+            </a:extLst>
+          </p:cNvPr>
+          <p:cNvSpPr>
+            <a:spLocks noGrp="1"/>
+          </p:cNvSpPr>
+          <p:nvPr>
+            <p:ph idx="1"/>
+          </p:nvPr>
+        </p:nvSpPr>
+        <p:spPr/>
+        <p:txBody>
+          <a:bodyPr/>
+          <a:lstStyle/>
+          <a:p>
+            <a:endParaRPr lang="en-US"/>
+          </a:p>
+        </p:txBody>
+      </p:sp>
+    </p:spTree>
+    <p:extLst>
+      <p:ext uri="{BB962C8B-B14F-4D97-AF65-F5344CB8AC3E}">
+        <p14:creationId xmlns:p14="http://schemas.microsoft.com/office/powerpoint/2010/main" val="3214012085"/>
+      </p:ext>
+    </p:extLst>
+  </p:cSld>
+  <p:clrMapOvr>
+    <a:masterClrMapping/>
+  </p:clrMapOvr>
+  <mc:AlternateContent xmlns:mc="http://schemas.openxmlformats.org/markup-compatibility/2006" xmlns:p14="http://schemas.microsoft.com/office/powerpoint/2010/main">
+    <mc:Choice Requires="p14">
+      <p:transition spd="slow" p14:dur="2000" advTm="20000"/>
+    </mc:Choice>
+    <mc:Fallback xmlns="">
+      <p:transition spd="slow" advTm="20000"/>
+    </mc:Fallback>
+  </mc:AlternateContent>
+</p:sld>
+</file>
+
+<file path=ppt/slides/slide12.xml><?xml version="1.0" encoding="utf-8"?>
+<p:sld xmlns:a="http://schemas.openxmlformats.org/drawingml/2006/main" xmlns:r="http://schemas.openxmlformats.org/officeDocument/2006/relationships" xmlns:p="http://schemas.openxmlformats.org/presentationml/2006/main">
+  <p:cSld>
+    <p:spTree>
+      <p:nvGrpSpPr>
+        <p:cNvPr id="1" name=""/>
+        <p:cNvGrpSpPr/>
+        <p:nvPr/>
+      </p:nvGrpSpPr>
+      <p:grpSpPr>
+        <a:xfrm>
+          <a:off x="0" y="0"/>
+          <a:ext cx="0" cy="0"/>
+          <a:chOff x="0" y="0"/>
+          <a:chExt cx="0" cy="0"/>
+        </a:xfrm>
+      </p:grpSpPr>
+      <p:sp>
+        <p:nvSpPr>
+          <p:cNvPr id="2" name="Title 1">
+            <a:extLst>
+              <a:ext uri="{FF2B5EF4-FFF2-40B4-BE49-F238E27FC236}">
+                <a16:creationId xmlns:a16="http://schemas.microsoft.com/office/drawing/2014/main" id="{098EA62A-57B6-4C55-B490-94A26E9DFE68}"/>
+              </a:ext>
+            </a:extLst>
+          </p:cNvPr>
+          <p:cNvSpPr>
+            <a:spLocks noGrp="1"/>
+          </p:cNvSpPr>
+          <p:nvPr>
+            <p:ph type="title"/>
+          </p:nvPr>
+        </p:nvSpPr>
+        <p:spPr/>
+        <p:txBody>
+          <a:bodyPr/>
+          <a:lstStyle/>
+          <a:p>
+            <a:r>
+              <a:rPr lang="en-US" dirty="0"/>
+              <a:t>Cross Validation</a:t>
+            </a:r>
+          </a:p>
+        </p:txBody>
+      </p:sp>
+      <p:sp>
+        <p:nvSpPr>
+          <p:cNvPr id="3" name="Content Placeholder 2">
+            <a:extLst>
+              <a:ext uri="{FF2B5EF4-FFF2-40B4-BE49-F238E27FC236}">
+                <a16:creationId xmlns:a16="http://schemas.microsoft.com/office/drawing/2014/main" id="{4F8BD144-2FB7-4E9D-BBBA-34C96020D12C}"/>
+              </a:ext>
+            </a:extLst>
+          </p:cNvPr>
+          <p:cNvSpPr>
+            <a:spLocks noGrp="1"/>
+          </p:cNvSpPr>
+          <p:nvPr>
+            <p:ph idx="1"/>
+          </p:nvPr>
+        </p:nvSpPr>
+        <p:spPr/>
+        <p:txBody>
+          <a:bodyPr/>
+          <a:lstStyle/>
+          <a:p>
+            <a:endParaRPr lang="en-US"/>
+          </a:p>
+        </p:txBody>
+      </p:sp>
+    </p:spTree>
+    <p:extLst>
+      <p:ext uri="{BB962C8B-B14F-4D97-AF65-F5344CB8AC3E}">
+        <p14:creationId xmlns:p14="http://schemas.microsoft.com/office/powerpoint/2010/main" val="400380636"/>
+      </p:ext>
+    </p:extLst>
+  </p:cSld>
+  <p:clrMapOvr>
+    <a:masterClrMapping/>
+  </p:clrMapOvr>
+  <mc:AlternateContent xmlns:mc="http://schemas.openxmlformats.org/markup-compatibility/2006" xmlns:p14="http://schemas.microsoft.com/office/powerpoint/2010/main">
+    <mc:Choice Requires="p14">
+      <p:transition spd="slow" p14:dur="2000" advTm="20000"/>
+    </mc:Choice>
+    <mc:Fallback xmlns="">
+      <p:transition spd="slow" advTm="20000"/>
+    </mc:Fallback>
+  </mc:AlternateContent>
+</p:sld>
+</file>
+
+<file path=ppt/slides/slide2.xml><?xml version="1.0" encoding="utf-8"?>
+<p:sld xmlns:a="http://schemas.openxmlformats.org/drawingml/2006/main" xmlns:r="http://schemas.openxmlformats.org/officeDocument/2006/relationships" xmlns:p="http://schemas.openxmlformats.org/presentationml/2006/main">
+  <p:cSld>
+    <p:bg>
+      <p:bgPr>
+        <a:solidFill>
+          <a:schemeClr val="bg1"/>
+        </a:solidFill>
+        <a:effectLst/>
+      </p:bgPr>
+    </p:bg>
+    <p:spTree>
+      <p:nvGrpSpPr>
+        <p:cNvPr id="1" name=""/>
+        <p:cNvGrpSpPr/>
+        <p:nvPr/>
+      </p:nvGrpSpPr>
+      <p:grpSpPr>
+        <a:xfrm>
+          <a:off x="0" y="0"/>
+          <a:ext cx="0" cy="0"/>
+          <a:chOff x="0" y="0"/>
+          <a:chExt cx="0" cy="0"/>
+        </a:xfrm>
+      </p:grpSpPr>
+      <p:sp>
+        <p:nvSpPr>
+          <p:cNvPr id="4" name="Title 3">
+            <a:extLst>
+              <a:ext uri="{FF2B5EF4-FFF2-40B4-BE49-F238E27FC236}">
+                <a16:creationId xmlns:a16="http://schemas.microsoft.com/office/drawing/2014/main" id="{42E5F106-6446-49FB-B0CB-B5A394ED0AC8}"/>
+              </a:ext>
+            </a:extLst>
+          </p:cNvPr>
+          <p:cNvSpPr>
+            <a:spLocks noGrp="1"/>
+          </p:cNvSpPr>
+          <p:nvPr>
+            <p:ph type="title"/>
+          </p:nvPr>
+        </p:nvSpPr>
+        <p:spPr/>
+        <p:txBody>
+          <a:bodyPr/>
+          <a:lstStyle/>
+          <a:p>
+            <a:endParaRPr lang="en-US"/>
+          </a:p>
+        </p:txBody>
+      </p:sp>
+      <p:sp>
+        <p:nvSpPr>
+          <p:cNvPr id="5" name="Content Placeholder 4">
+            <a:extLst>
+              <a:ext uri="{FF2B5EF4-FFF2-40B4-BE49-F238E27FC236}">
+                <a16:creationId xmlns:a16="http://schemas.microsoft.com/office/drawing/2014/main" id="{9C92D89C-0018-4103-94C2-7488674A41D9}"/>
+              </a:ext>
+            </a:extLst>
+          </p:cNvPr>
+          <p:cNvSpPr>
+            <a:spLocks noGrp="1"/>
+          </p:cNvSpPr>
+          <p:nvPr>
+            <p:ph idx="1"/>
+          </p:nvPr>
+        </p:nvSpPr>
+        <p:spPr/>
+        <p:txBody>
+          <a:bodyPr/>
+          <a:lstStyle/>
+          <a:p>
+            <a:endParaRPr lang="en-US"/>
+          </a:p>
+        </p:txBody>
+      </p:sp>
+    </p:spTree>
+    <p:extLst>
+      <p:ext uri="{BB962C8B-B14F-4D97-AF65-F5344CB8AC3E}">
+        <p14:creationId xmlns:p14="http://schemas.microsoft.com/office/powerpoint/2010/main" val="4184811736"/>
+      </p:ext>
+    </p:extLst>
+  </p:cSld>
+  <p:clrMapOvr>
+    <a:masterClrMapping/>
+  </p:clrMapOvr>
+  <mc:AlternateContent xmlns:mc="http://schemas.openxmlformats.org/markup-compatibility/2006" xmlns:p14="http://schemas.microsoft.com/office/powerpoint/2010/main">
+    <mc:Choice Requires="p14">
+      <p:transition spd="slow" p14:dur="2000" advTm="20000"/>
+    </mc:Choice>
+    <mc:Fallback xmlns="">
+      <p:transition spd="slow" advTm="20000"/>
+    </mc:Fallback>
+  </mc:AlternateContent>
+</p:sld>
+</file>
+
+<file path=ppt/slides/slide3.xml><?xml version="1.0" encoding="utf-8"?>
+<p:sld xmlns:a="http://schemas.openxmlformats.org/drawingml/2006/main" xmlns:r="http://schemas.openxmlformats.org/officeDocument/2006/relationships" xmlns:p="http://schemas.openxmlformats.org/presentationml/2006/main">
+  <p:cSld>
+    <p:spTree>
+      <p:nvGrpSpPr>
+        <p:cNvPr id="1" name=""/>
+        <p:cNvGrpSpPr/>
+        <p:nvPr/>
+      </p:nvGrpSpPr>
+      <p:grpSpPr>
+        <a:xfrm>
+          <a:off x="0" y="0"/>
+          <a:ext cx="0" cy="0"/>
+          <a:chOff x="0" y="0"/>
+          <a:chExt cx="0" cy="0"/>
+        </a:xfrm>
+      </p:grpSpPr>
+      <p:sp>
+        <p:nvSpPr>
+          <p:cNvPr id="2" name="Title 1">
+            <a:extLst>
+              <a:ext uri="{FF2B5EF4-FFF2-40B4-BE49-F238E27FC236}">
+                <a16:creationId xmlns:a16="http://schemas.microsoft.com/office/drawing/2014/main" id="{54BC33A4-0CF6-4DC0-9D5D-8C70300B554D}"/>
+              </a:ext>
+            </a:extLst>
+          </p:cNvPr>
+          <p:cNvSpPr>
+            <a:spLocks noGrp="1"/>
+          </p:cNvSpPr>
+          <p:nvPr>
+            <p:ph type="title"/>
+          </p:nvPr>
+        </p:nvSpPr>
+        <p:spPr/>
+        <p:txBody>
+          <a:bodyPr/>
+          <a:lstStyle/>
+          <a:p>
+            <a:endParaRPr lang="en-US"/>
+          </a:p>
+        </p:txBody>
+      </p:sp>
+      <p:sp>
+        <p:nvSpPr>
+          <p:cNvPr id="3" name="Content Placeholder 2">
+            <a:extLst>
+              <a:ext uri="{FF2B5EF4-FFF2-40B4-BE49-F238E27FC236}">
+                <a16:creationId xmlns:a16="http://schemas.microsoft.com/office/drawing/2014/main" id="{E7C8149E-7619-46AC-A32D-4B7166F64C7F}"/>
+              </a:ext>
+            </a:extLst>
+          </p:cNvPr>
+          <p:cNvSpPr>
+            <a:spLocks noGrp="1"/>
+          </p:cNvSpPr>
+          <p:nvPr>
+            <p:ph idx="1"/>
+          </p:nvPr>
+        </p:nvSpPr>
+        <p:spPr/>
+        <p:txBody>
+          <a:bodyPr/>
+          <a:lstStyle/>
+          <a:p>
+            <a:endParaRPr lang="en-US"/>
+          </a:p>
+        </p:txBody>
+      </p:sp>
+      <p:pic>
+        <p:nvPicPr>
+          <p:cNvPr id="4" name="Picture 2">
+            <a:extLst>
+              <a:ext uri="{FF2B5EF4-FFF2-40B4-BE49-F238E27FC236}">
+                <a16:creationId xmlns:a16="http://schemas.microsoft.com/office/drawing/2014/main" id="{B1F8B80C-DB04-41E7-91A1-89FEF8CE4505}"/>
+              </a:ext>
+            </a:extLst>
+          </p:cNvPr>
+          <p:cNvPicPr>
+            <a:picLocks noChangeAspect="1" noChangeArrowheads="1"/>
+          </p:cNvPicPr>
+          <p:nvPr/>
+        </p:nvPicPr>
+        <p:blipFill rotWithShape="1">
+          <a:blip r:embed="rId2">
+            <a:extLst>
+              <a:ext uri="{28A0092B-C50C-407E-A947-70E740481C1C}">
+                <a14:useLocalDpi xmlns:a14="http://schemas.microsoft.com/office/drawing/2010/main" val="0"/>
+              </a:ext>
+            </a:extLst>
+          </a:blip>
+          <a:srcRect t="1654" r="2" b="4034"/>
+          <a:stretch/>
+        </p:blipFill>
+        <p:spPr bwMode="auto">
+          <a:xfrm>
+            <a:off x="20" y="10"/>
+            <a:ext cx="4635571" cy="6857990"/>
+          </a:xfrm>
+          <a:prstGeom prst="rect">
+            <a:avLst/>
+          </a:prstGeom>
+          <a:noFill/>
+          <a:effectLst/>
+          <a:extLst>
+            <a:ext uri="{909E8E84-426E-40DD-AFC4-6F175D3DCCD1}">
+              <a14:hiddenFill xmlns:a14="http://schemas.microsoft.com/office/drawing/2010/main">
+                <a:solidFill>
+                  <a:srgbClr val="FFFFFF"/>
+                </a:solidFill>
+              </a14:hiddenFill>
+            </a:ext>
+          </a:extLst>
+        </p:spPr>
+      </p:pic>
+    </p:spTree>
+    <p:extLst>
+      <p:ext uri="{BB962C8B-B14F-4D97-AF65-F5344CB8AC3E}">
+        <p14:creationId xmlns:p14="http://schemas.microsoft.com/office/powerpoint/2010/main" val="2455318568"/>
+      </p:ext>
+    </p:extLst>
+  </p:cSld>
+  <p:clrMapOvr>
+    <a:masterClrMapping/>
+  </p:clrMapOvr>
+  <mc:AlternateContent xmlns:mc="http://schemas.openxmlformats.org/markup-compatibility/2006" xmlns:p14="http://schemas.microsoft.com/office/powerpoint/2010/main">
+    <mc:Choice Requires="p14">
+      <p:transition spd="slow" p14:dur="2000" advTm="20000"/>
+    </mc:Choice>
+    <mc:Fallback xmlns="">
+      <p:transition spd="slow" advTm="20000"/>
+    </mc:Fallback>
+  </mc:AlternateContent>
+</p:sld>
+</file>
+
+<file path=ppt/slides/slide4.xml><?xml version="1.0" encoding="utf-8"?>
+<p:sld xmlns:a="http://schemas.openxmlformats.org/drawingml/2006/main" xmlns:r="http://schemas.openxmlformats.org/officeDocument/2006/relationships" xmlns:p="http://schemas.openxmlformats.org/presentationml/2006/main">
+  <p:cSld>
+    <p:spTree>
+      <p:nvGrpSpPr>
+        <p:cNvPr id="1" name=""/>
+        <p:cNvGrpSpPr/>
+        <p:nvPr/>
+      </p:nvGrpSpPr>
+      <p:grpSpPr>
+        <a:xfrm>
+          <a:off x="0" y="0"/>
+          <a:ext cx="0" cy="0"/>
+          <a:chOff x="0" y="0"/>
+          <a:chExt cx="0" cy="0"/>
+        </a:xfrm>
+      </p:grpSpPr>
+      <p:sp>
+        <p:nvSpPr>
+          <p:cNvPr id="2" name="Title 1">
+            <a:extLst>
+              <a:ext uri="{FF2B5EF4-FFF2-40B4-BE49-F238E27FC236}">
+                <a16:creationId xmlns:a16="http://schemas.microsoft.com/office/drawing/2014/main" id="{44A22FD7-7F7C-408D-A63B-9DBAC6DE50D9}"/>
+              </a:ext>
+            </a:extLst>
+          </p:cNvPr>
+          <p:cNvSpPr>
+            <a:spLocks noGrp="1"/>
+          </p:cNvSpPr>
+          <p:nvPr>
+            <p:ph type="title"/>
+          </p:nvPr>
+        </p:nvSpPr>
+        <p:spPr/>
+        <p:txBody>
+          <a:bodyPr/>
+          <a:lstStyle/>
+          <a:p>
+            <a:endParaRPr lang="en-US"/>
+          </a:p>
+        </p:txBody>
+      </p:sp>
+      <p:sp>
+        <p:nvSpPr>
+          <p:cNvPr id="3" name="Content Placeholder 2">
+            <a:extLst>
+              <a:ext uri="{FF2B5EF4-FFF2-40B4-BE49-F238E27FC236}">
+                <a16:creationId xmlns:a16="http://schemas.microsoft.com/office/drawing/2014/main" id="{D21017EB-F6EC-47E3-A762-6158CAB7ED78}"/>
+              </a:ext>
+            </a:extLst>
+          </p:cNvPr>
+          <p:cNvSpPr>
+            <a:spLocks noGrp="1"/>
+          </p:cNvSpPr>
+          <p:nvPr>
+            <p:ph idx="1"/>
+          </p:nvPr>
+        </p:nvSpPr>
+        <p:spPr/>
+        <p:txBody>
+          <a:bodyPr/>
+          <a:lstStyle/>
+          <a:p>
+            <a:endParaRPr lang="en-US"/>
+          </a:p>
+        </p:txBody>
+      </p:sp>
+    </p:spTree>
+    <p:extLst>
+      <p:ext uri="{BB962C8B-B14F-4D97-AF65-F5344CB8AC3E}">
+        <p14:creationId xmlns:p14="http://schemas.microsoft.com/office/powerpoint/2010/main" val="262154868"/>
+      </p:ext>
+    </p:extLst>
+  </p:cSld>
+  <p:clrMapOvr>
+    <a:masterClrMapping/>
+  </p:clrMapOvr>
+  <mc:AlternateContent xmlns:mc="http://schemas.openxmlformats.org/markup-compatibility/2006" xmlns:p14="http://schemas.microsoft.com/office/powerpoint/2010/main">
+    <mc:Choice Requires="p14">
+      <p:transition spd="slow" p14:dur="2000" advTm="20000"/>
+    </mc:Choice>
+    <mc:Fallback xmlns="">
+      <p:transition spd="slow" advTm="20000"/>
+    </mc:Fallback>
+  </mc:AlternateContent>
+</p:sld>
+</file>
+
+<file path=ppt/slides/slide5.xml><?xml version="1.0" encoding="utf-8"?>
+<p:sld xmlns:a="http://schemas.openxmlformats.org/drawingml/2006/main" xmlns:r="http://schemas.openxmlformats.org/officeDocument/2006/relationships" xmlns:p="http://schemas.openxmlformats.org/presentationml/2006/main">
+  <p:cSld>
+    <p:spTree>
+      <p:nvGrpSpPr>
+        <p:cNvPr id="1" name=""/>
+        <p:cNvGrpSpPr/>
+        <p:nvPr/>
+      </p:nvGrpSpPr>
+      <p:grpSpPr>
+        <a:xfrm>
+          <a:off x="0" y="0"/>
+          <a:ext cx="0" cy="0"/>
+          <a:chOff x="0" y="0"/>
+          <a:chExt cx="0" cy="0"/>
+        </a:xfrm>
+      </p:grpSpPr>
+      <p:sp>
+        <p:nvSpPr>
+          <p:cNvPr id="2" name="Title 1">
+            <a:extLst>
+              <a:ext uri="{FF2B5EF4-FFF2-40B4-BE49-F238E27FC236}">
+                <a16:creationId xmlns:a16="http://schemas.microsoft.com/office/drawing/2014/main" id="{5FFEE49E-41F0-4923-83A7-8E20125D09D4}"/>
+              </a:ext>
+            </a:extLst>
+          </p:cNvPr>
+          <p:cNvSpPr>
+            <a:spLocks noGrp="1"/>
+          </p:cNvSpPr>
+          <p:nvPr>
+            <p:ph type="title"/>
+          </p:nvPr>
+        </p:nvSpPr>
+        <p:spPr/>
+        <p:txBody>
+          <a:bodyPr/>
+          <a:lstStyle/>
+          <a:p>
+            <a:endParaRPr lang="en-US"/>
+          </a:p>
+        </p:txBody>
+      </p:sp>
+      <p:sp>
+        <p:nvSpPr>
+          <p:cNvPr id="3" name="Content Placeholder 2">
+            <a:extLst>
+              <a:ext uri="{FF2B5EF4-FFF2-40B4-BE49-F238E27FC236}">
+                <a16:creationId xmlns:a16="http://schemas.microsoft.com/office/drawing/2014/main" id="{C434B50E-6CD4-499A-8794-FFA192E84330}"/>
+              </a:ext>
+            </a:extLst>
+          </p:cNvPr>
+          <p:cNvSpPr>
+            <a:spLocks noGrp="1"/>
+          </p:cNvSpPr>
+          <p:nvPr>
+            <p:ph idx="1"/>
+          </p:nvPr>
+        </p:nvSpPr>
+        <p:spPr/>
+        <p:txBody>
+          <a:bodyPr/>
+          <a:lstStyle/>
+          <a:p>
+            <a:endParaRPr lang="en-US"/>
+          </a:p>
+        </p:txBody>
+      </p:sp>
+    </p:spTree>
+    <p:extLst>
+      <p:ext uri="{BB962C8B-B14F-4D97-AF65-F5344CB8AC3E}">
+        <p14:creationId xmlns:p14="http://schemas.microsoft.com/office/powerpoint/2010/main" val="4290669473"/>
+      </p:ext>
+    </p:extLst>
+  </p:cSld>
+  <p:clrMapOvr>
+    <a:masterClrMapping/>
+  </p:clrMapOvr>
+  <mc:AlternateContent xmlns:mc="http://schemas.openxmlformats.org/markup-compatibility/2006" xmlns:p14="http://schemas.microsoft.com/office/powerpoint/2010/main">
+    <mc:Choice Requires="p14">
+      <p:transition spd="slow" p14:dur="2000" advTm="20000"/>
+    </mc:Choice>
+    <mc:Fallback xmlns="">
+      <p:transition spd="slow" advTm="20000"/>
+    </mc:Fallback>
+  </mc:AlternateContent>
+</p:sld>
+</file>
+
+<file path=ppt/slides/slide6.xml><?xml version="1.0" encoding="utf-8"?>
+<p:sld xmlns:a="http://schemas.openxmlformats.org/drawingml/2006/main" xmlns:r="http://schemas.openxmlformats.org/officeDocument/2006/relationships" xmlns:p="http://schemas.openxmlformats.org/presentationml/2006/main">
+  <p:cSld>
+    <p:spTree>
+      <p:nvGrpSpPr>
+        <p:cNvPr id="1" name=""/>
+        <p:cNvGrpSpPr/>
+        <p:nvPr/>
+      </p:nvGrpSpPr>
+      <p:grpSpPr>
+        <a:xfrm>
+          <a:off x="0" y="0"/>
+          <a:ext cx="0" cy="0"/>
+          <a:chOff x="0" y="0"/>
+          <a:chExt cx="0" cy="0"/>
+        </a:xfrm>
+      </p:grpSpPr>
+      <p:sp>
+        <p:nvSpPr>
+          <p:cNvPr id="2" name="Title 1">
+            <a:extLst>
+              <a:ext uri="{FF2B5EF4-FFF2-40B4-BE49-F238E27FC236}">
+                <a16:creationId xmlns:a16="http://schemas.microsoft.com/office/drawing/2014/main" id="{A02947B3-9E6E-48C4-87BF-76718B78932C}"/>
+              </a:ext>
+            </a:extLst>
+          </p:cNvPr>
+          <p:cNvSpPr>
+            <a:spLocks noGrp="1"/>
+          </p:cNvSpPr>
+          <p:nvPr>
+            <p:ph type="title"/>
+          </p:nvPr>
+        </p:nvSpPr>
+        <p:spPr/>
+        <p:txBody>
+          <a:bodyPr/>
+          <a:lstStyle/>
+          <a:p>
+            <a:endParaRPr lang="en-US"/>
+          </a:p>
+        </p:txBody>
+      </p:sp>
+      <p:sp>
+        <p:nvSpPr>
+          <p:cNvPr id="3" name="Content Placeholder 2">
+            <a:extLst>
+              <a:ext uri="{FF2B5EF4-FFF2-40B4-BE49-F238E27FC236}">
+                <a16:creationId xmlns:a16="http://schemas.microsoft.com/office/drawing/2014/main" id="{6CC9DF95-861F-4041-9E34-F60964F173EF}"/>
+              </a:ext>
+            </a:extLst>
+          </p:cNvPr>
+          <p:cNvSpPr>
+            <a:spLocks noGrp="1"/>
+          </p:cNvSpPr>
+          <p:nvPr>
+            <p:ph idx="1"/>
+          </p:nvPr>
+        </p:nvSpPr>
+        <p:spPr/>
+        <p:txBody>
+          <a:bodyPr/>
+          <a:lstStyle/>
+          <a:p>
+            <a:endParaRPr lang="en-US"/>
+          </a:p>
+        </p:txBody>
+      </p:sp>
+    </p:spTree>
+    <p:extLst>
+      <p:ext uri="{BB962C8B-B14F-4D97-AF65-F5344CB8AC3E}">
+        <p14:creationId xmlns:p14="http://schemas.microsoft.com/office/powerpoint/2010/main" val="2629115398"/>
+      </p:ext>
+    </p:extLst>
+  </p:cSld>
+  <p:clrMapOvr>
+    <a:masterClrMapping/>
+  </p:clrMapOvr>
+  <mc:AlternateContent xmlns:mc="http://schemas.openxmlformats.org/markup-compatibility/2006" xmlns:p14="http://schemas.microsoft.com/office/powerpoint/2010/main">
+    <mc:Choice Requires="p14">
+      <p:transition spd="slow" p14:dur="2000" advTm="20000"/>
+    </mc:Choice>
+    <mc:Fallback xmlns="">
+      <p:transition spd="slow" advTm="20000"/>
+    </mc:Fallback>
+  </mc:AlternateContent>
+</p:sld>
+</file>
+
+<file path=ppt/slides/slide7.xml><?xml version="1.0" encoding="utf-8"?>
+<p:sld xmlns:a="http://schemas.openxmlformats.org/drawingml/2006/main" xmlns:r="http://schemas.openxmlformats.org/officeDocument/2006/relationships" xmlns:p="http://schemas.openxmlformats.org/presentationml/2006/main">
+  <p:cSld>
+    <p:spTree>
+      <p:nvGrpSpPr>
+        <p:cNvPr id="1" name=""/>
+        <p:cNvGrpSpPr/>
+        <p:nvPr/>
+      </p:nvGrpSpPr>
+      <p:grpSpPr>
+        <a:xfrm>
+          <a:off x="0" y="0"/>
+          <a:ext cx="0" cy="0"/>
+          <a:chOff x="0" y="0"/>
+          <a:chExt cx="0" cy="0"/>
+        </a:xfrm>
+      </p:grpSpPr>
+      <p:sp>
+        <p:nvSpPr>
+          <p:cNvPr id="2" name="Title 1">
+            <a:extLst>
+              <a:ext uri="{FF2B5EF4-FFF2-40B4-BE49-F238E27FC236}">
+                <a16:creationId xmlns:a16="http://schemas.microsoft.com/office/drawing/2014/main" id="{EB9AC002-A68B-41C5-8246-CAC75D24418E}"/>
+              </a:ext>
+            </a:extLst>
+          </p:cNvPr>
+          <p:cNvSpPr>
+            <a:spLocks noGrp="1"/>
+          </p:cNvSpPr>
+          <p:nvPr>
+            <p:ph type="title"/>
+          </p:nvPr>
+        </p:nvSpPr>
+        <p:spPr/>
+        <p:txBody>
+          <a:bodyPr/>
+          <a:lstStyle/>
+          <a:p>
+            <a:endParaRPr lang="en-US"/>
+          </a:p>
+        </p:txBody>
+      </p:sp>
+      <p:sp>
+        <p:nvSpPr>
+          <p:cNvPr id="3" name="Content Placeholder 2">
+            <a:extLst>
+              <a:ext uri="{FF2B5EF4-FFF2-40B4-BE49-F238E27FC236}">
+                <a16:creationId xmlns:a16="http://schemas.microsoft.com/office/drawing/2014/main" id="{990C3AC2-7105-442D-BF41-7747649A9533}"/>
+              </a:ext>
+            </a:extLst>
+          </p:cNvPr>
+          <p:cNvSpPr>
+            <a:spLocks noGrp="1"/>
+          </p:cNvSpPr>
+          <p:nvPr>
+            <p:ph idx="1"/>
+          </p:nvPr>
+        </p:nvSpPr>
+        <p:spPr/>
+        <p:txBody>
+          <a:bodyPr/>
+          <a:lstStyle/>
+          <a:p>
+            <a:endParaRPr lang="en-US"/>
+          </a:p>
+        </p:txBody>
+      </p:sp>
+    </p:spTree>
+    <p:extLst>
+      <p:ext uri="{BB962C8B-B14F-4D97-AF65-F5344CB8AC3E}">
+        <p14:creationId xmlns:p14="http://schemas.microsoft.com/office/powerpoint/2010/main" val="1925680051"/>
+      </p:ext>
+    </p:extLst>
+  </p:cSld>
+  <p:clrMapOvr>
+    <a:masterClrMapping/>
+  </p:clrMapOvr>
+  <mc:AlternateContent xmlns:mc="http://schemas.openxmlformats.org/markup-compatibility/2006" xmlns:p14="http://schemas.microsoft.com/office/powerpoint/2010/main">
+    <mc:Choice Requires="p14">
+      <p:transition spd="slow" p14:dur="2000" advTm="20000"/>
+    </mc:Choice>
+    <mc:Fallback xmlns="">
+      <p:transition spd="slow" advTm="20000"/>
+    </mc:Fallback>
+  </mc:AlternateContent>
+</p:sld>
+</file>
+
+<file path=ppt/slides/slide8.xml><?xml version="1.0" encoding="utf-8"?>
+<p:sld xmlns:a="http://schemas.openxmlformats.org/drawingml/2006/main" xmlns:r="http://schemas.openxmlformats.org/officeDocument/2006/relationships" xmlns:p="http://schemas.openxmlformats.org/presentationml/2006/main">
+  <p:cSld>
+    <p:spTree>
+      <p:nvGrpSpPr>
+        <p:cNvPr id="1" name=""/>
+        <p:cNvGrpSpPr/>
+        <p:nvPr/>
+      </p:nvGrpSpPr>
+      <p:grpSpPr>
+        <a:xfrm>
+          <a:off x="0" y="0"/>
+          <a:ext cx="0" cy="0"/>
+          <a:chOff x="0" y="0"/>
+          <a:chExt cx="0" cy="0"/>
+        </a:xfrm>
+      </p:grpSpPr>
+      <p:sp>
+        <p:nvSpPr>
+          <p:cNvPr id="2" name="Title 1">
+            <a:extLst>
+              <a:ext uri="{FF2B5EF4-FFF2-40B4-BE49-F238E27FC236}">
+                <a16:creationId xmlns:a16="http://schemas.microsoft.com/office/drawing/2014/main" id="{D4C2227C-6C66-46C1-B886-7F348916B0C7}"/>
+              </a:ext>
+            </a:extLst>
+          </p:cNvPr>
+          <p:cNvSpPr>
+            <a:spLocks noGrp="1"/>
+          </p:cNvSpPr>
+          <p:nvPr>
+            <p:ph type="title"/>
+          </p:nvPr>
+        </p:nvSpPr>
+        <p:spPr/>
+        <p:txBody>
+          <a:bodyPr/>
+          <a:lstStyle/>
+          <a:p>
+            <a:r>
+              <a:rPr lang="en-US" dirty="0"/>
+              <a:t>Data Structure</a:t>
+            </a:r>
+          </a:p>
+        </p:txBody>
+      </p:sp>
+      <p:sp>
+        <p:nvSpPr>
+          <p:cNvPr id="3" name="Content Placeholder 2">
+            <a:extLst>
+              <a:ext uri="{FF2B5EF4-FFF2-40B4-BE49-F238E27FC236}">
+                <a16:creationId xmlns:a16="http://schemas.microsoft.com/office/drawing/2014/main" id="{CC0B94D3-67B1-400D-8B56-BA9394280460}"/>
+              </a:ext>
+            </a:extLst>
+          </p:cNvPr>
+          <p:cNvSpPr>
+            <a:spLocks noGrp="1"/>
+          </p:cNvSpPr>
+          <p:nvPr>
+            <p:ph idx="1"/>
+          </p:nvPr>
+        </p:nvSpPr>
+        <p:spPr/>
+        <p:txBody>
+          <a:bodyPr/>
+          <a:lstStyle/>
+          <a:p>
+            <a:r>
+              <a:rPr lang="en-US" dirty="0"/>
+              <a:t>What is in the data</a:t>
+            </a:r>
+          </a:p>
+          <a:p>
+            <a:r>
+              <a:rPr lang="en-US" dirty="0"/>
+              <a:t>What else we draw </a:t>
+            </a:r>
+          </a:p>
+        </p:txBody>
+      </p:sp>
+    </p:spTree>
+    <p:extLst>
+      <p:ext uri="{BB962C8B-B14F-4D97-AF65-F5344CB8AC3E}">
+        <p14:creationId xmlns:p14="http://schemas.microsoft.com/office/powerpoint/2010/main" val="1476681227"/>
+      </p:ext>
+    </p:extLst>
+  </p:cSld>
+  <p:clrMapOvr>
+    <a:masterClrMapping/>
+  </p:clrMapOvr>
+  <mc:AlternateContent xmlns:mc="http://schemas.openxmlformats.org/markup-compatibility/2006" xmlns:p14="http://schemas.microsoft.com/office/powerpoint/2010/main">
+    <mc:Choice Requires="p14">
+      <p:transition spd="slow" p14:dur="2000" advTm="20000"/>
+    </mc:Choice>
+    <mc:Fallback xmlns="">
+      <p:transition spd="slow" advTm="20000"/>
+    </mc:Fallback>
+  </mc:AlternateContent>
+</p:sld>
+</file>
+
+<file path=ppt/slides/slide9.xml><?xml version="1.0" encoding="utf-8"?>
+<p:sld xmlns:a="http://schemas.openxmlformats.org/drawingml/2006/main" xmlns:r="http://schemas.openxmlformats.org/officeDocument/2006/relationships" xmlns:p="http://schemas.openxmlformats.org/presentationml/2006/main">
+  <p:cSld>
+    <p:spTree>
+      <p:nvGrpSpPr>
+        <p:cNvPr id="1" name=""/>
+        <p:cNvGrpSpPr/>
+        <p:nvPr/>
+      </p:nvGrpSpPr>
+      <p:grpSpPr>
+        <a:xfrm>
+          <a:off x="0" y="0"/>
+          <a:ext cx="0" cy="0"/>
+          <a:chOff x="0" y="0"/>
+          <a:chExt cx="0" cy="0"/>
+        </a:xfrm>
+      </p:grpSpPr>
+      <p:sp>
+        <p:nvSpPr>
+          <p:cNvPr id="2" name="Title 1">
+            <a:extLst>
+              <a:ext uri="{FF2B5EF4-FFF2-40B4-BE49-F238E27FC236}">
+                <a16:creationId xmlns:a16="http://schemas.microsoft.com/office/drawing/2014/main" id="{DA03F57F-7B22-4745-8984-7B8595A82254}"/>
+              </a:ext>
+            </a:extLst>
+          </p:cNvPr>
+          <p:cNvSpPr>
+            <a:spLocks noGrp="1"/>
+          </p:cNvSpPr>
+          <p:nvPr>
+            <p:ph type="title"/>
+          </p:nvPr>
+        </p:nvSpPr>
+        <p:spPr/>
+        <p:txBody>
+          <a:bodyPr/>
+          <a:lstStyle/>
+          <a:p>
+            <a:r>
+              <a:rPr lang="en-US" dirty="0"/>
+              <a:t>Regression Model</a:t>
+            </a:r>
+          </a:p>
+        </p:txBody>
+      </p:sp>
+      <p:sp>
+        <p:nvSpPr>
+          <p:cNvPr id="3" name="Content Placeholder 2">
+            <a:extLst>
+              <a:ext uri="{FF2B5EF4-FFF2-40B4-BE49-F238E27FC236}">
+                <a16:creationId xmlns:a16="http://schemas.microsoft.com/office/drawing/2014/main" id="{1BAFB8B6-0E55-40F8-A9D2-0EF86A8D1B55}"/>
+              </a:ext>
+            </a:extLst>
+          </p:cNvPr>
+          <p:cNvSpPr>
+            <a:spLocks noGrp="1"/>
+          </p:cNvSpPr>
+          <p:nvPr>
+            <p:ph idx="1"/>
+          </p:nvPr>
+        </p:nvSpPr>
+        <p:spPr/>
+        <p:txBody>
+          <a:bodyPr/>
+          <a:lstStyle/>
+          <a:p>
+            <a:r>
+              <a:rPr lang="en-US" dirty="0"/>
+              <a:t>Independent Variables</a:t>
+            </a:r>
+          </a:p>
+        </p:txBody>
+      </p:sp>
+    </p:spTree>
+    <p:extLst>
+      <p:ext uri="{BB962C8B-B14F-4D97-AF65-F5344CB8AC3E}">
+        <p14:creationId xmlns:p14="http://schemas.microsoft.com/office/powerpoint/2010/main" val="1013530532"/>
+      </p:ext>
+    </p:extLst>
+  </p:cSld>
+  <p:clrMapOvr>
+    <a:masterClrMapping/>
+  </p:clrMapOvr>
+  <mc:AlternateContent xmlns:mc="http://schemas.openxmlformats.org/markup-compatibility/2006" xmlns:p14="http://schemas.microsoft.com/office/powerpoint/2010/main">
+    <mc:Choice Requires="p14">
+      <p:transition spd="slow" p14:dur="2000" advTm="20000"/>
+    </mc:Choice>
+    <mc:Fallback xmlns="">
+      <p:transition spd="slow" advTm="20000"/>
+    </mc:Fallback>
+  </mc:AlternateContent>
 </p:sld>
 </file>
 

--- a/FInal_Presentation.pptx
+++ b/FInal_Presentation.pptx
@@ -6,17 +6,17 @@
   </p:sldMasterIdLst>
   <p:sldIdLst>
     <p:sldId id="256" r:id="rId2"/>
-    <p:sldId id="257" r:id="rId3"/>
-    <p:sldId id="258" r:id="rId4"/>
-    <p:sldId id="259" r:id="rId5"/>
-    <p:sldId id="260" r:id="rId6"/>
-    <p:sldId id="261" r:id="rId7"/>
-    <p:sldId id="262" r:id="rId8"/>
-    <p:sldId id="263" r:id="rId9"/>
-    <p:sldId id="264" r:id="rId10"/>
-    <p:sldId id="266" r:id="rId11"/>
-    <p:sldId id="265" r:id="rId12"/>
-    <p:sldId id="267" r:id="rId13"/>
+    <p:sldId id="263" r:id="rId3"/>
+    <p:sldId id="261" r:id="rId4"/>
+    <p:sldId id="257" r:id="rId5"/>
+    <p:sldId id="258" r:id="rId6"/>
+    <p:sldId id="259" r:id="rId7"/>
+    <p:sldId id="260" r:id="rId8"/>
+    <p:sldId id="264" r:id="rId9"/>
+    <p:sldId id="266" r:id="rId10"/>
+    <p:sldId id="265" r:id="rId11"/>
+    <p:sldId id="267" r:id="rId12"/>
+    <p:sldId id="262" r:id="rId13"/>
   </p:sldIdLst>
   <p:sldSz cx="12192000" cy="6858000"/>
   <p:notesSz cx="6858000" cy="9144000"/>
@@ -301,7 +301,7 @@
           <a:p>
             <a:fld id="{1F48A28A-645A-4081-BFA7-1B6031C7D6BC}" type="datetimeFigureOut">
               <a:rPr lang="en-US" smtClean="0"/>
-              <a:t>12/3/2021</a:t>
+              <a:t>12/6/2021</a:t>
             </a:fld>
             <a:endParaRPr lang="en-US"/>
           </a:p>
@@ -499,7 +499,7 @@
           <a:p>
             <a:fld id="{1F48A28A-645A-4081-BFA7-1B6031C7D6BC}" type="datetimeFigureOut">
               <a:rPr lang="en-US" smtClean="0"/>
-              <a:t>12/3/2021</a:t>
+              <a:t>12/6/2021</a:t>
             </a:fld>
             <a:endParaRPr lang="en-US"/>
           </a:p>
@@ -707,7 +707,7 @@
           <a:p>
             <a:fld id="{1F48A28A-645A-4081-BFA7-1B6031C7D6BC}" type="datetimeFigureOut">
               <a:rPr lang="en-US" smtClean="0"/>
-              <a:t>12/3/2021</a:t>
+              <a:t>12/6/2021</a:t>
             </a:fld>
             <a:endParaRPr lang="en-US"/>
           </a:p>
@@ -905,7 +905,7 @@
           <a:p>
             <a:fld id="{1F48A28A-645A-4081-BFA7-1B6031C7D6BC}" type="datetimeFigureOut">
               <a:rPr lang="en-US" smtClean="0"/>
-              <a:t>12/3/2021</a:t>
+              <a:t>12/6/2021</a:t>
             </a:fld>
             <a:endParaRPr lang="en-US"/>
           </a:p>
@@ -1180,7 +1180,7 @@
           <a:p>
             <a:fld id="{1F48A28A-645A-4081-BFA7-1B6031C7D6BC}" type="datetimeFigureOut">
               <a:rPr lang="en-US" smtClean="0"/>
-              <a:t>12/3/2021</a:t>
+              <a:t>12/6/2021</a:t>
             </a:fld>
             <a:endParaRPr lang="en-US"/>
           </a:p>
@@ -1445,7 +1445,7 @@
           <a:p>
             <a:fld id="{1F48A28A-645A-4081-BFA7-1B6031C7D6BC}" type="datetimeFigureOut">
               <a:rPr lang="en-US" smtClean="0"/>
-              <a:t>12/3/2021</a:t>
+              <a:t>12/6/2021</a:t>
             </a:fld>
             <a:endParaRPr lang="en-US"/>
           </a:p>
@@ -1857,7 +1857,7 @@
           <a:p>
             <a:fld id="{1F48A28A-645A-4081-BFA7-1B6031C7D6BC}" type="datetimeFigureOut">
               <a:rPr lang="en-US" smtClean="0"/>
-              <a:t>12/3/2021</a:t>
+              <a:t>12/6/2021</a:t>
             </a:fld>
             <a:endParaRPr lang="en-US"/>
           </a:p>
@@ -1998,7 +1998,7 @@
           <a:p>
             <a:fld id="{1F48A28A-645A-4081-BFA7-1B6031C7D6BC}" type="datetimeFigureOut">
               <a:rPr lang="en-US" smtClean="0"/>
-              <a:t>12/3/2021</a:t>
+              <a:t>12/6/2021</a:t>
             </a:fld>
             <a:endParaRPr lang="en-US"/>
           </a:p>
@@ -2111,7 +2111,7 @@
           <a:p>
             <a:fld id="{1F48A28A-645A-4081-BFA7-1B6031C7D6BC}" type="datetimeFigureOut">
               <a:rPr lang="en-US" smtClean="0"/>
-              <a:t>12/3/2021</a:t>
+              <a:t>12/6/2021</a:t>
             </a:fld>
             <a:endParaRPr lang="en-US"/>
           </a:p>
@@ -2422,7 +2422,7 @@
           <a:p>
             <a:fld id="{1F48A28A-645A-4081-BFA7-1B6031C7D6BC}" type="datetimeFigureOut">
               <a:rPr lang="en-US" smtClean="0"/>
-              <a:t>12/3/2021</a:t>
+              <a:t>12/6/2021</a:t>
             </a:fld>
             <a:endParaRPr lang="en-US"/>
           </a:p>
@@ -2710,7 +2710,7 @@
           <a:p>
             <a:fld id="{1F48A28A-645A-4081-BFA7-1B6031C7D6BC}" type="datetimeFigureOut">
               <a:rPr lang="en-US" smtClean="0"/>
-              <a:t>12/3/2021</a:t>
+              <a:t>12/6/2021</a:t>
             </a:fld>
             <a:endParaRPr lang="en-US"/>
           </a:p>
@@ -2951,7 +2951,7 @@
           <a:p>
             <a:fld id="{1F48A28A-645A-4081-BFA7-1B6031C7D6BC}" type="datetimeFigureOut">
               <a:rPr lang="en-US" smtClean="0"/>
-              <a:t>12/3/2021</a:t>
+              <a:t>12/6/2021</a:t>
             </a:fld>
             <a:endParaRPr lang="en-US"/>
           </a:p>
@@ -3354,6 +3354,14 @@
 <file path=ppt/slides/slide1.xml><?xml version="1.0" encoding="utf-8"?>
 <p:sld xmlns:a="http://schemas.openxmlformats.org/drawingml/2006/main" xmlns:r="http://schemas.openxmlformats.org/officeDocument/2006/relationships" xmlns:p="http://schemas.openxmlformats.org/presentationml/2006/main">
   <p:cSld>
+    <p:bg>
+      <p:bgPr>
+        <a:solidFill>
+          <a:schemeClr val="bg1"/>
+        </a:solidFill>
+        <a:effectLst/>
+      </p:bgPr>
+    </p:bg>
     <p:spTree>
       <p:nvGrpSpPr>
         <p:cNvPr id="1" name=""/>
@@ -3384,12 +3392,24 @@
             <p:ph type="ctrTitle"/>
           </p:nvPr>
         </p:nvSpPr>
-        <p:spPr/>
-        <p:txBody>
-          <a:bodyPr/>
-          <a:lstStyle/>
-          <a:p>
-            <a:endParaRPr lang="en-US" dirty="0"/>
+        <p:spPr>
+          <a:xfrm>
+            <a:off x="5277329" y="640080"/>
+            <a:ext cx="6274590" cy="4018341"/>
+          </a:xfrm>
+          <a:noFill/>
+        </p:spPr>
+        <p:txBody>
+          <a:bodyPr>
+            <a:normAutofit/>
+          </a:bodyPr>
+          <a:lstStyle/>
+          <a:p>
+            <a:pPr algn="l"/>
+            <a:r>
+              <a:rPr lang="en-US" sz="6600" dirty="0"/>
+              <a:t>Delay Estimator</a:t>
+            </a:r>
           </a:p>
         </p:txBody>
       </p:sp>
@@ -3409,11 +3429,20 @@
             <p:ph type="subTitle" idx="1"/>
           </p:nvPr>
         </p:nvSpPr>
-        <p:spPr/>
-        <p:txBody>
-          <a:bodyPr/>
-          <a:lstStyle/>
-          <a:p>
+        <p:spPr>
+          <a:xfrm>
+            <a:off x="5277329" y="4796852"/>
+            <a:ext cx="6274590" cy="1421068"/>
+          </a:xfrm>
+          <a:noFill/>
+        </p:spPr>
+        <p:txBody>
+          <a:bodyPr>
+            <a:normAutofit/>
+          </a:bodyPr>
+          <a:lstStyle/>
+          <a:p>
+            <a:pPr algn="l"/>
             <a:r>
               <a:rPr lang="en-US" dirty="0"/>
               <a:t>A Forecasting Tool for New Jersey Train Delay</a:t>
@@ -3421,6 +3450,51 @@
           </a:p>
         </p:txBody>
       </p:sp>
+      <p:pic>
+        <p:nvPicPr>
+          <p:cNvPr id="4" name="Picture 2">
+            <a:extLst>
+              <a:ext uri="{FF2B5EF4-FFF2-40B4-BE49-F238E27FC236}">
+                <a16:creationId xmlns:a16="http://schemas.microsoft.com/office/drawing/2014/main" id="{B38BF093-B852-46A1-AF82-5A95DD982C94}"/>
+              </a:ext>
+            </a:extLst>
+          </p:cNvPr>
+          <p:cNvPicPr>
+            <a:picLocks noChangeAspect="1" noChangeArrowheads="1"/>
+          </p:cNvPicPr>
+          <p:nvPr/>
+        </p:nvPicPr>
+        <p:blipFill rotWithShape="1">
+          <a:blip r:embed="rId2">
+            <a:extLst>
+              <a:ext uri="{28A0092B-C50C-407E-A947-70E740481C1C}">
+                <a14:useLocalDpi xmlns:a14="http://schemas.microsoft.com/office/drawing/2010/main" val="0"/>
+              </a:ext>
+            </a:extLst>
+          </a:blip>
+          <a:srcRect t="1664" r="-1" b="4401"/>
+          <a:stretch/>
+        </p:blipFill>
+        <p:spPr bwMode="auto">
+          <a:xfrm>
+            <a:off x="409899" y="10"/>
+            <a:ext cx="4654296" cy="6857990"/>
+          </a:xfrm>
+          <a:prstGeom prst="rect">
+            <a:avLst/>
+          </a:prstGeom>
+          <a:noFill/>
+          <a:extLst>
+            <a:ext uri="{909E8E84-426E-40DD-AFC4-6F175D3DCCD1}">
+              <a14:hiddenFill xmlns:a14="http://schemas.microsoft.com/office/drawing/2010/main">
+                <a:solidFill>
+                  <a:srgbClr val="FFFFFF"/>
+                </a:solidFill>
+              </a14:hiddenFill>
+            </a:ext>
+          </a:extLst>
+        </p:spPr>
+      </p:pic>
     </p:spTree>
     <p:extLst>
       <p:ext uri="{BB962C8B-B14F-4D97-AF65-F5344CB8AC3E}">
@@ -3464,7 +3538,7 @@
           <p:cNvPr id="2" name="Title 1">
             <a:extLst>
               <a:ext uri="{FF2B5EF4-FFF2-40B4-BE49-F238E27FC236}">
-                <a16:creationId xmlns:a16="http://schemas.microsoft.com/office/drawing/2014/main" id="{084B9EEF-033A-4D99-9735-EE31E6ED3356}"/>
+                <a16:creationId xmlns:a16="http://schemas.microsoft.com/office/drawing/2014/main" id="{7E8140C3-BA47-49D2-AB07-D77157DE8C7B}"/>
               </a:ext>
             </a:extLst>
           </p:cNvPr>
@@ -3480,7 +3554,10 @@
           <a:bodyPr/>
           <a:lstStyle/>
           <a:p>
-            <a:endParaRPr lang="en-US" dirty="0"/>
+            <a:r>
+              <a:rPr lang="en-US" dirty="0"/>
+              <a:t>Comparing Accuracy</a:t>
+            </a:r>
           </a:p>
         </p:txBody>
       </p:sp>
@@ -3489,7 +3566,7 @@
           <p:cNvPr id="3" name="Content Placeholder 2">
             <a:extLst>
               <a:ext uri="{FF2B5EF4-FFF2-40B4-BE49-F238E27FC236}">
-                <a16:creationId xmlns:a16="http://schemas.microsoft.com/office/drawing/2014/main" id="{17D041C9-7915-4F09-9CF4-C6EBEBFBFD9B}"/>
+                <a16:creationId xmlns:a16="http://schemas.microsoft.com/office/drawing/2014/main" id="{C79B80EC-FF43-4B2C-9374-F6C393F4557B}"/>
               </a:ext>
             </a:extLst>
           </p:cNvPr>
@@ -3512,7 +3589,7 @@
     </p:spTree>
     <p:extLst>
       <p:ext uri="{BB962C8B-B14F-4D97-AF65-F5344CB8AC3E}">
-        <p14:creationId xmlns:p14="http://schemas.microsoft.com/office/powerpoint/2010/main" val="3462749974"/>
+        <p14:creationId xmlns:p14="http://schemas.microsoft.com/office/powerpoint/2010/main" val="3214012085"/>
       </p:ext>
     </p:extLst>
   </p:cSld>
@@ -3552,7 +3629,7 @@
           <p:cNvPr id="2" name="Title 1">
             <a:extLst>
               <a:ext uri="{FF2B5EF4-FFF2-40B4-BE49-F238E27FC236}">
-                <a16:creationId xmlns:a16="http://schemas.microsoft.com/office/drawing/2014/main" id="{7E8140C3-BA47-49D2-AB07-D77157DE8C7B}"/>
+                <a16:creationId xmlns:a16="http://schemas.microsoft.com/office/drawing/2014/main" id="{098EA62A-57B6-4C55-B490-94A26E9DFE68}"/>
               </a:ext>
             </a:extLst>
           </p:cNvPr>
@@ -3570,7 +3647,7 @@
           <a:p>
             <a:r>
               <a:rPr lang="en-US" dirty="0"/>
-              <a:t>Comparing Accuracy</a:t>
+              <a:t>Cross Validation</a:t>
             </a:r>
           </a:p>
         </p:txBody>
@@ -3580,7 +3657,7 @@
           <p:cNvPr id="3" name="Content Placeholder 2">
             <a:extLst>
               <a:ext uri="{FF2B5EF4-FFF2-40B4-BE49-F238E27FC236}">
-                <a16:creationId xmlns:a16="http://schemas.microsoft.com/office/drawing/2014/main" id="{C79B80EC-FF43-4B2C-9374-F6C393F4557B}"/>
+                <a16:creationId xmlns:a16="http://schemas.microsoft.com/office/drawing/2014/main" id="{4F8BD144-2FB7-4E9D-BBBA-34C96020D12C}"/>
               </a:ext>
             </a:extLst>
           </p:cNvPr>
@@ -3603,7 +3680,7 @@
     </p:spTree>
     <p:extLst>
       <p:ext uri="{BB962C8B-B14F-4D97-AF65-F5344CB8AC3E}">
-        <p14:creationId xmlns:p14="http://schemas.microsoft.com/office/powerpoint/2010/main" val="3214012085"/>
+        <p14:creationId xmlns:p14="http://schemas.microsoft.com/office/powerpoint/2010/main" val="400380636"/>
       </p:ext>
     </p:extLst>
   </p:cSld>
@@ -3643,7 +3720,7 @@
           <p:cNvPr id="2" name="Title 1">
             <a:extLst>
               <a:ext uri="{FF2B5EF4-FFF2-40B4-BE49-F238E27FC236}">
-                <a16:creationId xmlns:a16="http://schemas.microsoft.com/office/drawing/2014/main" id="{098EA62A-57B6-4C55-B490-94A26E9DFE68}"/>
+                <a16:creationId xmlns:a16="http://schemas.microsoft.com/office/drawing/2014/main" id="{EB9AC002-A68B-41C5-8246-CAC75D24418E}"/>
               </a:ext>
             </a:extLst>
           </p:cNvPr>
@@ -3661,7 +3738,7 @@
           <a:p>
             <a:r>
               <a:rPr lang="en-US" dirty="0"/>
-              <a:t>Cross Validation</a:t>
+              <a:t>Further Steps</a:t>
             </a:r>
           </a:p>
         </p:txBody>
@@ -3671,7 +3748,7 @@
           <p:cNvPr id="3" name="Content Placeholder 2">
             <a:extLst>
               <a:ext uri="{FF2B5EF4-FFF2-40B4-BE49-F238E27FC236}">
-                <a16:creationId xmlns:a16="http://schemas.microsoft.com/office/drawing/2014/main" id="{4F8BD144-2FB7-4E9D-BBBA-34C96020D12C}"/>
+                <a16:creationId xmlns:a16="http://schemas.microsoft.com/office/drawing/2014/main" id="{990C3AC2-7105-442D-BF41-7747649A9533}"/>
               </a:ext>
             </a:extLst>
           </p:cNvPr>
@@ -3687,14 +3764,17 @@
           <a:bodyPr/>
           <a:lstStyle/>
           <a:p>
-            <a:endParaRPr lang="en-US"/>
+            <a:r>
+              <a:rPr lang="en-US" dirty="0"/>
+              <a:t>It is possible that </a:t>
+            </a:r>
           </a:p>
         </p:txBody>
       </p:sp>
     </p:spTree>
     <p:extLst>
       <p:ext uri="{BB962C8B-B14F-4D97-AF65-F5344CB8AC3E}">
-        <p14:creationId xmlns:p14="http://schemas.microsoft.com/office/powerpoint/2010/main" val="400380636"/>
+        <p14:creationId xmlns:p14="http://schemas.microsoft.com/office/powerpoint/2010/main" val="1925680051"/>
       </p:ext>
     </p:extLst>
   </p:cSld>
@@ -3715,14 +3795,6 @@
 <file path=ppt/slides/slide2.xml><?xml version="1.0" encoding="utf-8"?>
 <p:sld xmlns:a="http://schemas.openxmlformats.org/drawingml/2006/main" xmlns:r="http://schemas.openxmlformats.org/officeDocument/2006/relationships" xmlns:p="http://schemas.openxmlformats.org/presentationml/2006/main">
   <p:cSld>
-    <p:bg>
-      <p:bgPr>
-        <a:solidFill>
-          <a:schemeClr val="bg1"/>
-        </a:solidFill>
-        <a:effectLst/>
-      </p:bgPr>
-    </p:bg>
     <p:spTree>
       <p:nvGrpSpPr>
         <p:cNvPr id="1" name=""/>
@@ -3739,10 +3811,10 @@
       </p:grpSpPr>
       <p:sp>
         <p:nvSpPr>
-          <p:cNvPr id="4" name="Title 3">
-            <a:extLst>
-              <a:ext uri="{FF2B5EF4-FFF2-40B4-BE49-F238E27FC236}">
-                <a16:creationId xmlns:a16="http://schemas.microsoft.com/office/drawing/2014/main" id="{42E5F106-6446-49FB-B0CB-B5A394ED0AC8}"/>
+          <p:cNvPr id="2" name="Title 1">
+            <a:extLst>
+              <a:ext uri="{FF2B5EF4-FFF2-40B4-BE49-F238E27FC236}">
+                <a16:creationId xmlns:a16="http://schemas.microsoft.com/office/drawing/2014/main" id="{D4C2227C-6C66-46C1-B886-7F348916B0C7}"/>
               </a:ext>
             </a:extLst>
           </p:cNvPr>
@@ -3758,16 +3830,19 @@
           <a:bodyPr/>
           <a:lstStyle/>
           <a:p>
-            <a:endParaRPr lang="en-US"/>
-          </a:p>
-        </p:txBody>
-      </p:sp>
-      <p:sp>
-        <p:nvSpPr>
-          <p:cNvPr id="5" name="Content Placeholder 4">
-            <a:extLst>
-              <a:ext uri="{FF2B5EF4-FFF2-40B4-BE49-F238E27FC236}">
-                <a16:creationId xmlns:a16="http://schemas.microsoft.com/office/drawing/2014/main" id="{9C92D89C-0018-4103-94C2-7488674A41D9}"/>
+            <a:r>
+              <a:rPr lang="en-US" dirty="0"/>
+              <a:t>Data Structure </a:t>
+            </a:r>
+          </a:p>
+        </p:txBody>
+      </p:sp>
+      <p:sp>
+        <p:nvSpPr>
+          <p:cNvPr id="3" name="Content Placeholder 2">
+            <a:extLst>
+              <a:ext uri="{FF2B5EF4-FFF2-40B4-BE49-F238E27FC236}">
+                <a16:creationId xmlns:a16="http://schemas.microsoft.com/office/drawing/2014/main" id="{CC0B94D3-67B1-400D-8B56-BA9394280460}"/>
               </a:ext>
             </a:extLst>
           </p:cNvPr>
@@ -3783,14 +3858,97 @@
           <a:bodyPr/>
           <a:lstStyle/>
           <a:p>
-            <a:endParaRPr lang="en-US"/>
+            <a:r>
+              <a:rPr lang="en-US"/>
+              <a:t>What is in the data</a:t>
+            </a:r>
+          </a:p>
+          <a:p>
+            <a:r>
+              <a:rPr lang="en-US"/>
+              <a:t>What else we draw </a:t>
+            </a:r>
+            <a:endParaRPr lang="en-US" dirty="0"/>
+          </a:p>
+        </p:txBody>
+      </p:sp>
+      <p:pic>
+        <p:nvPicPr>
+          <p:cNvPr id="5" name="Picture 4">
+            <a:extLst>
+              <a:ext uri="{FF2B5EF4-FFF2-40B4-BE49-F238E27FC236}">
+                <a16:creationId xmlns:a16="http://schemas.microsoft.com/office/drawing/2014/main" id="{F22E07C8-08EC-40ED-B13C-12688124957A}"/>
+              </a:ext>
+            </a:extLst>
+          </p:cNvPr>
+          <p:cNvPicPr>
+            <a:picLocks noChangeAspect="1"/>
+          </p:cNvPicPr>
+          <p:nvPr/>
+        </p:nvPicPr>
+        <p:blipFill>
+          <a:blip r:embed="rId2"/>
+          <a:stretch>
+            <a:fillRect/>
+          </a:stretch>
+        </p:blipFill>
+        <p:spPr>
+          <a:xfrm>
+            <a:off x="4017598" y="145232"/>
+            <a:ext cx="7715306" cy="6567536"/>
+          </a:xfrm>
+          <a:prstGeom prst="rect">
+            <a:avLst/>
+          </a:prstGeom>
+        </p:spPr>
+      </p:pic>
+      <p:sp>
+        <p:nvSpPr>
+          <p:cNvPr id="6" name="TextBox 5">
+            <a:extLst>
+              <a:ext uri="{FF2B5EF4-FFF2-40B4-BE49-F238E27FC236}">
+                <a16:creationId xmlns:a16="http://schemas.microsoft.com/office/drawing/2014/main" id="{D2C9DFA4-07EF-4C79-8282-D60C1F259376}"/>
+              </a:ext>
+            </a:extLst>
+          </p:cNvPr>
+          <p:cNvSpPr txBox="1"/>
+          <p:nvPr/>
+        </p:nvSpPr>
+        <p:spPr>
+          <a:xfrm>
+            <a:off x="618424" y="6492875"/>
+            <a:ext cx="7653031" cy="276999"/>
+          </a:xfrm>
+          <a:prstGeom prst="rect">
+            <a:avLst/>
+          </a:prstGeom>
+          <a:noFill/>
+        </p:spPr>
+        <p:txBody>
+          <a:bodyPr wrap="square" rtlCol="0">
+            <a:spAutoFit/>
+          </a:bodyPr>
+          <a:lstStyle/>
+          <a:p>
+            <a:pPr algn="l"/>
+            <a:r>
+              <a:rPr lang="en-US" sz="1200" i="1" dirty="0"/>
+              <a:t>Photo source: Amtrak “The Northeast Corridor”</a:t>
+            </a:r>
+            <a:endParaRPr lang="en-US" sz="1200" i="1" dirty="0">
+              <a:solidFill>
+                <a:srgbClr val="404040"/>
+              </a:solidFill>
+              <a:effectLst/>
+              <a:latin typeface="Avenir"/>
+            </a:endParaRPr>
           </a:p>
         </p:txBody>
       </p:sp>
     </p:spTree>
     <p:extLst>
       <p:ext uri="{BB962C8B-B14F-4D97-AF65-F5344CB8AC3E}">
-        <p14:creationId xmlns:p14="http://schemas.microsoft.com/office/powerpoint/2010/main" val="4184811736"/>
+        <p14:creationId xmlns:p14="http://schemas.microsoft.com/office/powerpoint/2010/main" val="1476681227"/>
       </p:ext>
     </p:extLst>
   </p:cSld>
@@ -3830,7 +3988,7 @@
           <p:cNvPr id="2" name="Title 1">
             <a:extLst>
               <a:ext uri="{FF2B5EF4-FFF2-40B4-BE49-F238E27FC236}">
-                <a16:creationId xmlns:a16="http://schemas.microsoft.com/office/drawing/2014/main" id="{54BC33A4-0CF6-4DC0-9D5D-8C70300B554D}"/>
+                <a16:creationId xmlns:a16="http://schemas.microsoft.com/office/drawing/2014/main" id="{A02947B3-9E6E-48C4-87BF-76718B78932C}"/>
               </a:ext>
             </a:extLst>
           </p:cNvPr>
@@ -3841,12 +3999,17 @@
             <p:ph type="title"/>
           </p:nvPr>
         </p:nvSpPr>
-        <p:spPr/>
-        <p:txBody>
-          <a:bodyPr/>
-          <a:lstStyle/>
-          <a:p>
-            <a:endParaRPr lang="en-US"/>
+        <p:spPr>
+          <a:xfrm>
+            <a:off x="4770194" y="365125"/>
+            <a:ext cx="6583605" cy="1325563"/>
+          </a:xfrm>
+        </p:spPr>
+        <p:txBody>
+          <a:bodyPr/>
+          <a:lstStyle/>
+          <a:p>
+            <a:endParaRPr lang="en-US" dirty="0"/>
           </a:p>
         </p:txBody>
       </p:sp>
@@ -3855,7 +4018,7 @@
           <p:cNvPr id="3" name="Content Placeholder 2">
             <a:extLst>
               <a:ext uri="{FF2B5EF4-FFF2-40B4-BE49-F238E27FC236}">
-                <a16:creationId xmlns:a16="http://schemas.microsoft.com/office/drawing/2014/main" id="{E7C8149E-7619-46AC-A32D-4B7166F64C7F}"/>
+                <a16:creationId xmlns:a16="http://schemas.microsoft.com/office/drawing/2014/main" id="{6CC9DF95-861F-4041-9E34-F60964F173EF}"/>
               </a:ext>
             </a:extLst>
           </p:cNvPr>
@@ -3866,65 +4029,66 @@
             <p:ph idx="1"/>
           </p:nvPr>
         </p:nvSpPr>
-        <p:spPr/>
-        <p:txBody>
-          <a:bodyPr/>
-          <a:lstStyle/>
-          <a:p>
-            <a:endParaRPr lang="en-US"/>
+        <p:spPr>
+          <a:xfrm>
+            <a:off x="4770194" y="1825625"/>
+            <a:ext cx="6583606" cy="4351338"/>
+          </a:xfrm>
+        </p:spPr>
+        <p:txBody>
+          <a:bodyPr/>
+          <a:lstStyle/>
+          <a:p>
+            <a:r>
+              <a:rPr lang="en-US" dirty="0"/>
+              <a:t>Initial idea to  </a:t>
+            </a:r>
+          </a:p>
+          <a:p>
+            <a:r>
+              <a:rPr lang="en-US" dirty="0"/>
+              <a:t>Integrate the tool into the current NJ Transit App’s Trip Planner</a:t>
+            </a:r>
+          </a:p>
+          <a:p>
+            <a:endParaRPr lang="en-US" dirty="0"/>
           </a:p>
         </p:txBody>
       </p:sp>
       <p:pic>
         <p:nvPicPr>
-          <p:cNvPr id="4" name="Picture 2">
-            <a:extLst>
-              <a:ext uri="{FF2B5EF4-FFF2-40B4-BE49-F238E27FC236}">
-                <a16:creationId xmlns:a16="http://schemas.microsoft.com/office/drawing/2014/main" id="{B1F8B80C-DB04-41E7-91A1-89FEF8CE4505}"/>
+          <p:cNvPr id="7" name="Picture 6">
+            <a:extLst>
+              <a:ext uri="{FF2B5EF4-FFF2-40B4-BE49-F238E27FC236}">
+                <a16:creationId xmlns:a16="http://schemas.microsoft.com/office/drawing/2014/main" id="{5689492A-84EB-4E1D-8B37-EFE960CBD592}"/>
               </a:ext>
             </a:extLst>
           </p:cNvPr>
           <p:cNvPicPr>
-            <a:picLocks noChangeAspect="1" noChangeArrowheads="1"/>
+            <a:picLocks noChangeAspect="1"/>
           </p:cNvPicPr>
           <p:nvPr/>
         </p:nvPicPr>
-        <p:blipFill rotWithShape="1">
-          <a:blip r:embed="rId2">
-            <a:extLst>
-              <a:ext uri="{28A0092B-C50C-407E-A947-70E740481C1C}">
-                <a14:useLocalDpi xmlns:a14="http://schemas.microsoft.com/office/drawing/2010/main" val="0"/>
-              </a:ext>
-            </a:extLst>
-          </a:blip>
-          <a:srcRect t="1654" r="2" b="4034"/>
-          <a:stretch/>
+        <p:blipFill>
+          <a:blip r:embed="rId2"/>
+          <a:stretch>
+            <a:fillRect/>
+          </a:stretch>
         </p:blipFill>
-        <p:spPr bwMode="auto">
+        <p:spPr>
           <a:xfrm>
-            <a:off x="20" y="10"/>
-            <a:ext cx="4635571" cy="6857990"/>
+            <a:off x="1379910" y="0"/>
+            <a:ext cx="3146879" cy="6858000"/>
           </a:xfrm>
           <a:prstGeom prst="rect">
             <a:avLst/>
           </a:prstGeom>
-          <a:noFill/>
-          <a:effectLst/>
-          <a:extLst>
-            <a:ext uri="{909E8E84-426E-40DD-AFC4-6F175D3DCCD1}">
-              <a14:hiddenFill xmlns:a14="http://schemas.microsoft.com/office/drawing/2010/main">
-                <a:solidFill>
-                  <a:srgbClr val="FFFFFF"/>
-                </a:solidFill>
-              </a14:hiddenFill>
-            </a:ext>
-          </a:extLst>
         </p:spPr>
       </p:pic>
     </p:spTree>
     <p:extLst>
       <p:ext uri="{BB962C8B-B14F-4D97-AF65-F5344CB8AC3E}">
-        <p14:creationId xmlns:p14="http://schemas.microsoft.com/office/powerpoint/2010/main" val="2455318568"/>
+        <p14:creationId xmlns:p14="http://schemas.microsoft.com/office/powerpoint/2010/main" val="2629115398"/>
       </p:ext>
     </p:extLst>
   </p:cSld>
@@ -3945,6 +4109,14 @@
 <file path=ppt/slides/slide4.xml><?xml version="1.0" encoding="utf-8"?>
 <p:sld xmlns:a="http://schemas.openxmlformats.org/drawingml/2006/main" xmlns:r="http://schemas.openxmlformats.org/officeDocument/2006/relationships" xmlns:p="http://schemas.openxmlformats.org/presentationml/2006/main">
   <p:cSld>
+    <p:bg>
+      <p:bgPr>
+        <a:solidFill>
+          <a:schemeClr val="bg1"/>
+        </a:solidFill>
+        <a:effectLst/>
+      </p:bgPr>
+    </p:bg>
     <p:spTree>
       <p:nvGrpSpPr>
         <p:cNvPr id="1" name=""/>
@@ -3959,12 +4131,171 @@
           <a:chExt cx="0" cy="0"/>
         </a:xfrm>
       </p:grpSpPr>
-      <p:sp>
-        <p:nvSpPr>
-          <p:cNvPr id="2" name="Title 1">
-            <a:extLst>
-              <a:ext uri="{FF2B5EF4-FFF2-40B4-BE49-F238E27FC236}">
-                <a16:creationId xmlns:a16="http://schemas.microsoft.com/office/drawing/2014/main" id="{44A22FD7-7F7C-408D-A63B-9DBAC6DE50D9}"/>
+      <p:sp useBgFill="1">
+        <p:nvSpPr>
+          <p:cNvPr id="13" name="Rectangle 12">
+            <a:extLst>
+              <a:ext uri="{FF2B5EF4-FFF2-40B4-BE49-F238E27FC236}">
+                <a16:creationId xmlns:a16="http://schemas.microsoft.com/office/drawing/2014/main" id="{B082622D-AAF3-4897-8629-FC918530DD86}"/>
+              </a:ext>
+              <a:ext uri="{C183D7F6-B498-43B3-948B-1728B52AA6E4}">
+                <adec:decorative xmlns:adec="http://schemas.microsoft.com/office/drawing/2017/decorative" val="1"/>
+              </a:ext>
+            </a:extLst>
+          </p:cNvPr>
+          <p:cNvSpPr>
+            <a:spLocks noGrp="1" noRot="1" noChangeAspect="1" noMove="1" noResize="1" noEditPoints="1" noAdjustHandles="1" noChangeArrowheads="1" noChangeShapeType="1" noTextEdit="1"/>
+          </p:cNvSpPr>
+          <p:nvPr>
+            <p:extLst>
+              <p:ext uri="{386F3935-93C4-4BCD-93E2-E3B085C9AB24}">
+                <p16:designElem xmlns:p16="http://schemas.microsoft.com/office/powerpoint/2015/main" val="1"/>
+              </p:ext>
+            </p:extLst>
+          </p:nvPr>
+        </p:nvSpPr>
+        <p:spPr>
+          <a:xfrm>
+            <a:off x="0" y="0"/>
+            <a:ext cx="12192000" cy="6858000"/>
+          </a:xfrm>
+          <a:prstGeom prst="rect">
+            <a:avLst/>
+          </a:prstGeom>
+          <a:ln>
+            <a:noFill/>
+          </a:ln>
+        </p:spPr>
+        <p:style>
+          <a:lnRef idx="2">
+            <a:schemeClr val="accent1">
+              <a:shade val="50000"/>
+            </a:schemeClr>
+          </a:lnRef>
+          <a:fillRef idx="1">
+            <a:schemeClr val="accent1"/>
+          </a:fillRef>
+          <a:effectRef idx="0">
+            <a:schemeClr val="accent1"/>
+          </a:effectRef>
+          <a:fontRef idx="minor">
+            <a:schemeClr val="lt1"/>
+          </a:fontRef>
+        </p:style>
+        <p:txBody>
+          <a:bodyPr rtlCol="0" anchor="ctr"/>
+          <a:lstStyle/>
+          <a:p>
+            <a:pPr algn="ctr"/>
+            <a:endParaRPr lang="en-US"/>
+          </a:p>
+        </p:txBody>
+      </p:sp>
+      <p:sp useBgFill="1">
+        <p:nvSpPr>
+          <p:cNvPr id="15" name="Rectangle 14">
+            <a:extLst>
+              <a:ext uri="{FF2B5EF4-FFF2-40B4-BE49-F238E27FC236}">
+                <a16:creationId xmlns:a16="http://schemas.microsoft.com/office/drawing/2014/main" id="{A7457DD9-5A45-400A-AB4B-4B4EDECA25F1}"/>
+              </a:ext>
+              <a:ext uri="{C183D7F6-B498-43B3-948B-1728B52AA6E4}">
+                <adec:decorative xmlns:adec="http://schemas.microsoft.com/office/drawing/2017/decorative" val="1"/>
+              </a:ext>
+            </a:extLst>
+          </p:cNvPr>
+          <p:cNvSpPr>
+            <a:spLocks noGrp="1" noRot="1" noChangeAspect="1" noMove="1" noResize="1" noEditPoints="1" noAdjustHandles="1" noChangeArrowheads="1" noChangeShapeType="1" noTextEdit="1"/>
+          </p:cNvSpPr>
+          <p:nvPr>
+            <p:extLst>
+              <p:ext uri="{386F3935-93C4-4BCD-93E2-E3B085C9AB24}">
+                <p16:designElem xmlns:p16="http://schemas.microsoft.com/office/powerpoint/2015/main" val="1"/>
+              </p:ext>
+            </p:extLst>
+          </p:nvPr>
+        </p:nvSpPr>
+        <p:spPr>
+          <a:xfrm>
+            <a:off x="554416" y="365125"/>
+            <a:ext cx="11167447" cy="2089317"/>
+          </a:xfrm>
+          <a:prstGeom prst="rect">
+            <a:avLst/>
+          </a:prstGeom>
+          <a:ln w="12700">
+            <a:solidFill>
+              <a:srgbClr val="E1E1E1"/>
+            </a:solidFill>
+          </a:ln>
+          <a:effectLst>
+            <a:outerShdw blurRad="50800" dist="38100" dir="2700000" algn="tl" rotWithShape="0">
+              <a:schemeClr val="bg2">
+                <a:lumMod val="85000"/>
+                <a:alpha val="50000"/>
+              </a:schemeClr>
+            </a:outerShdw>
+          </a:effectLst>
+        </p:spPr>
+        <p:style>
+          <a:lnRef idx="2">
+            <a:schemeClr val="accent1">
+              <a:shade val="50000"/>
+            </a:schemeClr>
+          </a:lnRef>
+          <a:fillRef idx="1">
+            <a:schemeClr val="accent1"/>
+          </a:fillRef>
+          <a:effectRef idx="0">
+            <a:schemeClr val="accent1"/>
+          </a:effectRef>
+          <a:fontRef idx="minor">
+            <a:schemeClr val="lt1"/>
+          </a:fontRef>
+        </p:style>
+        <p:txBody>
+          <a:bodyPr rtlCol="0" anchor="ctr"/>
+          <a:lstStyle/>
+          <a:p>
+            <a:pPr marL="0" marR="0" lvl="0" indent="0" algn="ctr" defTabSz="914400" rtl="0" eaLnBrk="1" fontAlgn="auto" latinLnBrk="0" hangingPunct="1">
+              <a:lnSpc>
+                <a:spcPct val="100000"/>
+              </a:lnSpc>
+              <a:spcBef>
+                <a:spcPts val="0"/>
+              </a:spcBef>
+              <a:spcAft>
+                <a:spcPts val="0"/>
+              </a:spcAft>
+              <a:buClrTx/>
+              <a:buSzTx/>
+              <a:buFontTx/>
+              <a:buNone/>
+              <a:tabLst/>
+              <a:defRPr/>
+            </a:pPr>
+            <a:endParaRPr kumimoji="0" lang="en-US" sz="1800" b="0" i="0" u="none" strike="noStrike" kern="1200" cap="none" spc="0" normalizeH="0" baseline="0" noProof="0">
+              <a:ln>
+                <a:noFill/>
+              </a:ln>
+              <a:solidFill>
+                <a:prstClr val="white"/>
+              </a:solidFill>
+              <a:effectLst/>
+              <a:uLnTx/>
+              <a:uFillTx/>
+              <a:latin typeface="Calibri" panose="020F0502020204030204"/>
+              <a:ea typeface="+mn-ea"/>
+              <a:cs typeface="+mn-cs"/>
+            </a:endParaRPr>
+          </a:p>
+        </p:txBody>
+      </p:sp>
+      <p:sp>
+        <p:nvSpPr>
+          <p:cNvPr id="4" name="Title 3">
+            <a:extLst>
+              <a:ext uri="{FF2B5EF4-FFF2-40B4-BE49-F238E27FC236}">
+                <a16:creationId xmlns:a16="http://schemas.microsoft.com/office/drawing/2014/main" id="{42E5F106-6446-49FB-B0CB-B5A394ED0AC8}"/>
               </a:ext>
             </a:extLst>
           </p:cNvPr>
@@ -3975,21 +4306,192 @@
             <p:ph type="title"/>
           </p:nvPr>
         </p:nvSpPr>
-        <p:spPr/>
-        <p:txBody>
-          <a:bodyPr/>
-          <a:lstStyle/>
-          <a:p>
-            <a:endParaRPr lang="en-US"/>
-          </a:p>
-        </p:txBody>
-      </p:sp>
-      <p:sp>
-        <p:nvSpPr>
-          <p:cNvPr id="3" name="Content Placeholder 2">
-            <a:extLst>
-              <a:ext uri="{FF2B5EF4-FFF2-40B4-BE49-F238E27FC236}">
-                <a16:creationId xmlns:a16="http://schemas.microsoft.com/office/drawing/2014/main" id="{D21017EB-F6EC-47E3-A762-6158CAB7ED78}"/>
+        <p:spPr>
+          <a:xfrm>
+            <a:off x="1046746" y="641850"/>
+            <a:ext cx="3611880" cy="1535865"/>
+          </a:xfrm>
+        </p:spPr>
+        <p:txBody>
+          <a:bodyPr>
+            <a:normAutofit/>
+          </a:bodyPr>
+          <a:lstStyle/>
+          <a:p>
+            <a:r>
+              <a:rPr lang="en-US" sz="3200" dirty="0"/>
+              <a:t>Reviewing the Data</a:t>
+            </a:r>
+          </a:p>
+        </p:txBody>
+      </p:sp>
+      <p:sp>
+        <p:nvSpPr>
+          <p:cNvPr id="17" name="Rectangle 16">
+            <a:extLst>
+              <a:ext uri="{FF2B5EF4-FFF2-40B4-BE49-F238E27FC236}">
+                <a16:creationId xmlns:a16="http://schemas.microsoft.com/office/drawing/2014/main" id="{441CF7D6-A660-431A-B0BB-140A0D5556B6}"/>
+              </a:ext>
+              <a:ext uri="{C183D7F6-B498-43B3-948B-1728B52AA6E4}">
+                <adec:decorative xmlns:adec="http://schemas.microsoft.com/office/drawing/2017/decorative" val="1"/>
+              </a:ext>
+            </a:extLst>
+          </p:cNvPr>
+          <p:cNvSpPr>
+            <a:spLocks noGrp="1" noRot="1" noChangeAspect="1" noMove="1" noResize="1" noEditPoints="1" noAdjustHandles="1" noChangeArrowheads="1" noChangeShapeType="1" noTextEdit="1"/>
+          </p:cNvSpPr>
+          <p:nvPr>
+            <p:extLst>
+              <p:ext uri="{386F3935-93C4-4BCD-93E2-E3B085C9AB24}">
+                <p16:designElem xmlns:p16="http://schemas.microsoft.com/office/powerpoint/2015/main" val="1"/>
+              </p:ext>
+            </p:extLst>
+          </p:nvPr>
+        </p:nvSpPr>
+        <p:spPr>
+          <a:xfrm>
+            <a:off x="490408" y="1057739"/>
+            <a:ext cx="128016" cy="704088"/>
+          </a:xfrm>
+          <a:prstGeom prst="rect">
+            <a:avLst/>
+          </a:prstGeom>
+          <a:solidFill>
+            <a:schemeClr val="accent2"/>
+          </a:solidFill>
+          <a:ln>
+            <a:noFill/>
+          </a:ln>
+        </p:spPr>
+        <p:style>
+          <a:lnRef idx="2">
+            <a:schemeClr val="accent1">
+              <a:shade val="50000"/>
+            </a:schemeClr>
+          </a:lnRef>
+          <a:fillRef idx="1">
+            <a:schemeClr val="accent1"/>
+          </a:fillRef>
+          <a:effectRef idx="0">
+            <a:schemeClr val="accent1"/>
+          </a:effectRef>
+          <a:fontRef idx="minor">
+            <a:schemeClr val="lt1"/>
+          </a:fontRef>
+        </p:style>
+        <p:txBody>
+          <a:bodyPr rtlCol="0" anchor="ctr"/>
+          <a:lstStyle/>
+          <a:p>
+            <a:pPr algn="ctr"/>
+            <a:endParaRPr lang="en-US" dirty="0">
+              <a:solidFill>
+                <a:prstClr val="white"/>
+              </a:solidFill>
+              <a:latin typeface="Calibri" panose="020F0502020204030204"/>
+            </a:endParaRPr>
+          </a:p>
+        </p:txBody>
+      </p:sp>
+      <p:sp>
+        <p:nvSpPr>
+          <p:cNvPr id="19" name="Rectangle 18">
+            <a:extLst>
+              <a:ext uri="{FF2B5EF4-FFF2-40B4-BE49-F238E27FC236}">
+                <a16:creationId xmlns:a16="http://schemas.microsoft.com/office/drawing/2014/main" id="{0570A85B-3810-4F95-97B0-CBF4CCDB381C}"/>
+              </a:ext>
+              <a:ext uri="{C183D7F6-B498-43B3-948B-1728B52AA6E4}">
+                <adec:decorative xmlns:adec="http://schemas.microsoft.com/office/drawing/2017/decorative" val="1"/>
+              </a:ext>
+            </a:extLst>
+          </p:cNvPr>
+          <p:cNvSpPr>
+            <a:spLocks noGrp="1" noRot="1" noChangeAspect="1" noMove="1" noResize="1" noEditPoints="1" noAdjustHandles="1" noChangeArrowheads="1" noChangeShapeType="1" noTextEdit="1"/>
+          </p:cNvSpPr>
+          <p:nvPr>
+            <p:extLst>
+              <p:ext uri="{386F3935-93C4-4BCD-93E2-E3B085C9AB24}">
+                <p16:designElem xmlns:p16="http://schemas.microsoft.com/office/powerpoint/2015/main" val="1"/>
+              </p:ext>
+            </p:extLst>
+          </p:nvPr>
+        </p:nvSpPr>
+        <p:spPr>
+          <a:xfrm rot="5400000">
+            <a:off x="4243541" y="1400638"/>
+            <a:ext cx="1463040" cy="18288"/>
+          </a:xfrm>
+          <a:prstGeom prst="rect">
+            <a:avLst/>
+          </a:prstGeom>
+          <a:solidFill>
+            <a:srgbClr val="D5D5D5"/>
+          </a:solidFill>
+          <a:ln w="3175">
+            <a:noFill/>
+          </a:ln>
+          <a:effectLst/>
+        </p:spPr>
+        <p:style>
+          <a:lnRef idx="2">
+            <a:schemeClr val="accent1">
+              <a:shade val="50000"/>
+            </a:schemeClr>
+          </a:lnRef>
+          <a:fillRef idx="1">
+            <a:schemeClr val="accent1"/>
+          </a:fillRef>
+          <a:effectRef idx="0">
+            <a:schemeClr val="accent1"/>
+          </a:effectRef>
+          <a:fontRef idx="minor">
+            <a:schemeClr val="lt1"/>
+          </a:fontRef>
+        </p:style>
+        <p:txBody>
+          <a:bodyPr rtlCol="0" anchor="ctr"/>
+          <a:lstStyle/>
+          <a:p>
+            <a:pPr marL="0" marR="0" lvl="0" indent="0" algn="ctr" defTabSz="914400" rtl="0" eaLnBrk="1" fontAlgn="auto" latinLnBrk="0" hangingPunct="1">
+              <a:lnSpc>
+                <a:spcPct val="100000"/>
+              </a:lnSpc>
+              <a:spcBef>
+                <a:spcPts val="0"/>
+              </a:spcBef>
+              <a:spcAft>
+                <a:spcPts val="0"/>
+              </a:spcAft>
+              <a:buClrTx/>
+              <a:buSzTx/>
+              <a:buFontTx/>
+              <a:buNone/>
+              <a:tabLst/>
+              <a:defRPr/>
+            </a:pPr>
+            <a:endParaRPr kumimoji="0" lang="en-US" sz="1800" b="0" i="0" u="none" strike="noStrike" kern="1200" cap="none" spc="0" normalizeH="0" baseline="0" noProof="0">
+              <a:ln>
+                <a:noFill/>
+              </a:ln>
+              <a:solidFill>
+                <a:prstClr val="white"/>
+              </a:solidFill>
+              <a:effectLst/>
+              <a:uLnTx/>
+              <a:uFillTx/>
+              <a:latin typeface="Calibri" panose="020F0502020204030204"/>
+              <a:ea typeface="+mn-ea"/>
+              <a:cs typeface="+mn-cs"/>
+            </a:endParaRPr>
+          </a:p>
+        </p:txBody>
+      </p:sp>
+      <p:sp>
+        <p:nvSpPr>
+          <p:cNvPr id="5" name="Content Placeholder 4">
+            <a:extLst>
+              <a:ext uri="{FF2B5EF4-FFF2-40B4-BE49-F238E27FC236}">
+                <a16:creationId xmlns:a16="http://schemas.microsoft.com/office/drawing/2014/main" id="{9C92D89C-0018-4103-94C2-7488674A41D9}"/>
               </a:ext>
             </a:extLst>
           </p:cNvPr>
@@ -4000,19 +4502,55 @@
             <p:ph idx="1"/>
           </p:nvPr>
         </p:nvSpPr>
-        <p:spPr/>
-        <p:txBody>
-          <a:bodyPr/>
-          <a:lstStyle/>
-          <a:p>
-            <a:endParaRPr lang="en-US"/>
-          </a:p>
-        </p:txBody>
-      </p:sp>
+        <p:spPr>
+          <a:xfrm>
+            <a:off x="5300640" y="641850"/>
+            <a:ext cx="6053160" cy="1535865"/>
+          </a:xfrm>
+        </p:spPr>
+        <p:txBody>
+          <a:bodyPr anchor="ctr">
+            <a:normAutofit/>
+          </a:bodyPr>
+          <a:lstStyle/>
+          <a:p>
+            <a:endParaRPr lang="en-US" sz="1800" dirty="0"/>
+          </a:p>
+        </p:txBody>
+      </p:sp>
+      <p:pic>
+        <p:nvPicPr>
+          <p:cNvPr id="8" name="Picture 7">
+            <a:extLst>
+              <a:ext uri="{FF2B5EF4-FFF2-40B4-BE49-F238E27FC236}">
+                <a16:creationId xmlns:a16="http://schemas.microsoft.com/office/drawing/2014/main" id="{E5C97E42-EAD5-4343-B8D7-6DF8F5187BDD}"/>
+              </a:ext>
+            </a:extLst>
+          </p:cNvPr>
+          <p:cNvPicPr>
+            <a:picLocks noChangeAspect="1"/>
+          </p:cNvPicPr>
+          <p:nvPr/>
+        </p:nvPicPr>
+        <p:blipFill rotWithShape="1">
+          <a:blip r:embed="rId2"/>
+          <a:srcRect t="948" r="1" b="765"/>
+          <a:stretch/>
+        </p:blipFill>
+        <p:spPr>
+          <a:xfrm>
+            <a:off x="554416" y="2731167"/>
+            <a:ext cx="11167447" cy="3484983"/>
+          </a:xfrm>
+          <a:prstGeom prst="rect">
+            <a:avLst/>
+          </a:prstGeom>
+        </p:spPr>
+      </p:pic>
     </p:spTree>
     <p:extLst>
       <p:ext uri="{BB962C8B-B14F-4D97-AF65-F5344CB8AC3E}">
-        <p14:creationId xmlns:p14="http://schemas.microsoft.com/office/powerpoint/2010/main" val="262154868"/>
+        <p14:creationId xmlns:p14="http://schemas.microsoft.com/office/powerpoint/2010/main" val="4184811736"/>
       </p:ext>
     </p:extLst>
   </p:cSld>
@@ -4033,6 +4571,14 @@
 <file path=ppt/slides/slide5.xml><?xml version="1.0" encoding="utf-8"?>
 <p:sld xmlns:a="http://schemas.openxmlformats.org/drawingml/2006/main" xmlns:r="http://schemas.openxmlformats.org/officeDocument/2006/relationships" xmlns:p="http://schemas.openxmlformats.org/presentationml/2006/main">
   <p:cSld>
+    <p:bg>
+      <p:bgPr>
+        <a:solidFill>
+          <a:schemeClr val="bg1"/>
+        </a:solidFill>
+        <a:effectLst/>
+      </p:bgPr>
+    </p:bg>
     <p:spTree>
       <p:nvGrpSpPr>
         <p:cNvPr id="1" name=""/>
@@ -4047,12 +4593,171 @@
           <a:chExt cx="0" cy="0"/>
         </a:xfrm>
       </p:grpSpPr>
-      <p:sp>
-        <p:nvSpPr>
-          <p:cNvPr id="2" name="Title 1">
-            <a:extLst>
-              <a:ext uri="{FF2B5EF4-FFF2-40B4-BE49-F238E27FC236}">
-                <a16:creationId xmlns:a16="http://schemas.microsoft.com/office/drawing/2014/main" id="{5FFEE49E-41F0-4923-83A7-8E20125D09D4}"/>
+      <p:sp useBgFill="1">
+        <p:nvSpPr>
+          <p:cNvPr id="20" name="Rectangle 16">
+            <a:extLst>
+              <a:ext uri="{FF2B5EF4-FFF2-40B4-BE49-F238E27FC236}">
+                <a16:creationId xmlns:a16="http://schemas.microsoft.com/office/drawing/2014/main" id="{B082622D-AAF3-4897-8629-FC918530DD86}"/>
+              </a:ext>
+              <a:ext uri="{C183D7F6-B498-43B3-948B-1728B52AA6E4}">
+                <adec:decorative xmlns:adec="http://schemas.microsoft.com/office/drawing/2017/decorative" val="1"/>
+              </a:ext>
+            </a:extLst>
+          </p:cNvPr>
+          <p:cNvSpPr>
+            <a:spLocks noGrp="1" noRot="1" noChangeAspect="1" noMove="1" noResize="1" noEditPoints="1" noAdjustHandles="1" noChangeArrowheads="1" noChangeShapeType="1" noTextEdit="1"/>
+          </p:cNvSpPr>
+          <p:nvPr>
+            <p:extLst>
+              <p:ext uri="{386F3935-93C4-4BCD-93E2-E3B085C9AB24}">
+                <p16:designElem xmlns:p16="http://schemas.microsoft.com/office/powerpoint/2015/main" val="1"/>
+              </p:ext>
+            </p:extLst>
+          </p:nvPr>
+        </p:nvSpPr>
+        <p:spPr>
+          <a:xfrm>
+            <a:off x="0" y="0"/>
+            <a:ext cx="12192000" cy="6858000"/>
+          </a:xfrm>
+          <a:prstGeom prst="rect">
+            <a:avLst/>
+          </a:prstGeom>
+          <a:ln>
+            <a:noFill/>
+          </a:ln>
+        </p:spPr>
+        <p:style>
+          <a:lnRef idx="2">
+            <a:schemeClr val="accent1">
+              <a:shade val="50000"/>
+            </a:schemeClr>
+          </a:lnRef>
+          <a:fillRef idx="1">
+            <a:schemeClr val="accent1"/>
+          </a:fillRef>
+          <a:effectRef idx="0">
+            <a:schemeClr val="accent1"/>
+          </a:effectRef>
+          <a:fontRef idx="minor">
+            <a:schemeClr val="lt1"/>
+          </a:fontRef>
+        </p:style>
+        <p:txBody>
+          <a:bodyPr rtlCol="0" anchor="ctr"/>
+          <a:lstStyle/>
+          <a:p>
+            <a:pPr algn="ctr"/>
+            <a:endParaRPr lang="en-US"/>
+          </a:p>
+        </p:txBody>
+      </p:sp>
+      <p:sp useBgFill="1">
+        <p:nvSpPr>
+          <p:cNvPr id="19" name="Rectangle 18">
+            <a:extLst>
+              <a:ext uri="{FF2B5EF4-FFF2-40B4-BE49-F238E27FC236}">
+                <a16:creationId xmlns:a16="http://schemas.microsoft.com/office/drawing/2014/main" id="{A7457DD9-5A45-400A-AB4B-4B4EDECA25F1}"/>
+              </a:ext>
+              <a:ext uri="{C183D7F6-B498-43B3-948B-1728B52AA6E4}">
+                <adec:decorative xmlns:adec="http://schemas.microsoft.com/office/drawing/2017/decorative" val="1"/>
+              </a:ext>
+            </a:extLst>
+          </p:cNvPr>
+          <p:cNvSpPr>
+            <a:spLocks noGrp="1" noRot="1" noChangeAspect="1" noMove="1" noResize="1" noEditPoints="1" noAdjustHandles="1" noChangeArrowheads="1" noChangeShapeType="1" noTextEdit="1"/>
+          </p:cNvSpPr>
+          <p:nvPr>
+            <p:extLst>
+              <p:ext uri="{386F3935-93C4-4BCD-93E2-E3B085C9AB24}">
+                <p16:designElem xmlns:p16="http://schemas.microsoft.com/office/powerpoint/2015/main" val="1"/>
+              </p:ext>
+            </p:extLst>
+          </p:nvPr>
+        </p:nvSpPr>
+        <p:spPr>
+          <a:xfrm>
+            <a:off x="554416" y="365125"/>
+            <a:ext cx="11167447" cy="2089317"/>
+          </a:xfrm>
+          <a:prstGeom prst="rect">
+            <a:avLst/>
+          </a:prstGeom>
+          <a:ln w="12700">
+            <a:solidFill>
+              <a:srgbClr val="E1E1E1"/>
+            </a:solidFill>
+          </a:ln>
+          <a:effectLst>
+            <a:outerShdw blurRad="50800" dist="38100" dir="2700000" algn="tl" rotWithShape="0">
+              <a:schemeClr val="bg2">
+                <a:lumMod val="85000"/>
+                <a:alpha val="50000"/>
+              </a:schemeClr>
+            </a:outerShdw>
+          </a:effectLst>
+        </p:spPr>
+        <p:style>
+          <a:lnRef idx="2">
+            <a:schemeClr val="accent1">
+              <a:shade val="50000"/>
+            </a:schemeClr>
+          </a:lnRef>
+          <a:fillRef idx="1">
+            <a:schemeClr val="accent1"/>
+          </a:fillRef>
+          <a:effectRef idx="0">
+            <a:schemeClr val="accent1"/>
+          </a:effectRef>
+          <a:fontRef idx="minor">
+            <a:schemeClr val="lt1"/>
+          </a:fontRef>
+        </p:style>
+        <p:txBody>
+          <a:bodyPr rtlCol="0" anchor="ctr"/>
+          <a:lstStyle/>
+          <a:p>
+            <a:pPr marL="0" marR="0" lvl="0" indent="0" algn="ctr" defTabSz="914400" rtl="0" eaLnBrk="1" fontAlgn="auto" latinLnBrk="0" hangingPunct="1">
+              <a:lnSpc>
+                <a:spcPct val="100000"/>
+              </a:lnSpc>
+              <a:spcBef>
+                <a:spcPts val="0"/>
+              </a:spcBef>
+              <a:spcAft>
+                <a:spcPts val="0"/>
+              </a:spcAft>
+              <a:buClrTx/>
+              <a:buSzTx/>
+              <a:buFontTx/>
+              <a:buNone/>
+              <a:tabLst/>
+              <a:defRPr/>
+            </a:pPr>
+            <a:endParaRPr kumimoji="0" lang="en-US" sz="1800" b="0" i="0" u="none" strike="noStrike" kern="1200" cap="none" spc="0" normalizeH="0" baseline="0" noProof="0">
+              <a:ln>
+                <a:noFill/>
+              </a:ln>
+              <a:solidFill>
+                <a:prstClr val="white"/>
+              </a:solidFill>
+              <a:effectLst/>
+              <a:uLnTx/>
+              <a:uFillTx/>
+              <a:latin typeface="Calibri" panose="020F0502020204030204"/>
+              <a:ea typeface="+mn-ea"/>
+              <a:cs typeface="+mn-cs"/>
+            </a:endParaRPr>
+          </a:p>
+        </p:txBody>
+      </p:sp>
+      <p:sp>
+        <p:nvSpPr>
+          <p:cNvPr id="11" name="Title 3">
+            <a:extLst>
+              <a:ext uri="{FF2B5EF4-FFF2-40B4-BE49-F238E27FC236}">
+                <a16:creationId xmlns:a16="http://schemas.microsoft.com/office/drawing/2014/main" id="{DD15180E-FA4A-4276-B1F5-A3B075D6DCD2}"/>
               </a:ext>
             </a:extLst>
           </p:cNvPr>
@@ -4063,21 +4768,192 @@
             <p:ph type="title"/>
           </p:nvPr>
         </p:nvSpPr>
-        <p:spPr/>
-        <p:txBody>
-          <a:bodyPr/>
-          <a:lstStyle/>
-          <a:p>
-            <a:endParaRPr lang="en-US"/>
-          </a:p>
-        </p:txBody>
-      </p:sp>
-      <p:sp>
-        <p:nvSpPr>
-          <p:cNvPr id="3" name="Content Placeholder 2">
-            <a:extLst>
-              <a:ext uri="{FF2B5EF4-FFF2-40B4-BE49-F238E27FC236}">
-                <a16:creationId xmlns:a16="http://schemas.microsoft.com/office/drawing/2014/main" id="{C434B50E-6CD4-499A-8794-FFA192E84330}"/>
+        <p:spPr>
+          <a:xfrm>
+            <a:off x="1046746" y="641850"/>
+            <a:ext cx="3611880" cy="1535865"/>
+          </a:xfrm>
+        </p:spPr>
+        <p:txBody>
+          <a:bodyPr>
+            <a:normAutofit/>
+          </a:bodyPr>
+          <a:lstStyle/>
+          <a:p>
+            <a:r>
+              <a:rPr lang="en-US" sz="3200" dirty="0"/>
+              <a:t>Reviewing the Data</a:t>
+            </a:r>
+          </a:p>
+        </p:txBody>
+      </p:sp>
+      <p:sp>
+        <p:nvSpPr>
+          <p:cNvPr id="21" name="Rectangle 20">
+            <a:extLst>
+              <a:ext uri="{FF2B5EF4-FFF2-40B4-BE49-F238E27FC236}">
+                <a16:creationId xmlns:a16="http://schemas.microsoft.com/office/drawing/2014/main" id="{441CF7D6-A660-431A-B0BB-140A0D5556B6}"/>
+              </a:ext>
+              <a:ext uri="{C183D7F6-B498-43B3-948B-1728B52AA6E4}">
+                <adec:decorative xmlns:adec="http://schemas.microsoft.com/office/drawing/2017/decorative" val="1"/>
+              </a:ext>
+            </a:extLst>
+          </p:cNvPr>
+          <p:cNvSpPr>
+            <a:spLocks noGrp="1" noRot="1" noChangeAspect="1" noMove="1" noResize="1" noEditPoints="1" noAdjustHandles="1" noChangeArrowheads="1" noChangeShapeType="1" noTextEdit="1"/>
+          </p:cNvSpPr>
+          <p:nvPr>
+            <p:extLst>
+              <p:ext uri="{386F3935-93C4-4BCD-93E2-E3B085C9AB24}">
+                <p16:designElem xmlns:p16="http://schemas.microsoft.com/office/powerpoint/2015/main" val="1"/>
+              </p:ext>
+            </p:extLst>
+          </p:nvPr>
+        </p:nvSpPr>
+        <p:spPr>
+          <a:xfrm>
+            <a:off x="490408" y="1057739"/>
+            <a:ext cx="128016" cy="704088"/>
+          </a:xfrm>
+          <a:prstGeom prst="rect">
+            <a:avLst/>
+          </a:prstGeom>
+          <a:solidFill>
+            <a:schemeClr val="accent2"/>
+          </a:solidFill>
+          <a:ln>
+            <a:noFill/>
+          </a:ln>
+        </p:spPr>
+        <p:style>
+          <a:lnRef idx="2">
+            <a:schemeClr val="accent1">
+              <a:shade val="50000"/>
+            </a:schemeClr>
+          </a:lnRef>
+          <a:fillRef idx="1">
+            <a:schemeClr val="accent1"/>
+          </a:fillRef>
+          <a:effectRef idx="0">
+            <a:schemeClr val="accent1"/>
+          </a:effectRef>
+          <a:fontRef idx="minor">
+            <a:schemeClr val="lt1"/>
+          </a:fontRef>
+        </p:style>
+        <p:txBody>
+          <a:bodyPr rtlCol="0" anchor="ctr"/>
+          <a:lstStyle/>
+          <a:p>
+            <a:pPr algn="ctr"/>
+            <a:endParaRPr lang="en-US" dirty="0">
+              <a:solidFill>
+                <a:prstClr val="white"/>
+              </a:solidFill>
+              <a:latin typeface="Calibri" panose="020F0502020204030204"/>
+            </a:endParaRPr>
+          </a:p>
+        </p:txBody>
+      </p:sp>
+      <p:sp>
+        <p:nvSpPr>
+          <p:cNvPr id="23" name="Rectangle 22">
+            <a:extLst>
+              <a:ext uri="{FF2B5EF4-FFF2-40B4-BE49-F238E27FC236}">
+                <a16:creationId xmlns:a16="http://schemas.microsoft.com/office/drawing/2014/main" id="{0570A85B-3810-4F95-97B0-CBF4CCDB381C}"/>
+              </a:ext>
+              <a:ext uri="{C183D7F6-B498-43B3-948B-1728B52AA6E4}">
+                <adec:decorative xmlns:adec="http://schemas.microsoft.com/office/drawing/2017/decorative" val="1"/>
+              </a:ext>
+            </a:extLst>
+          </p:cNvPr>
+          <p:cNvSpPr>
+            <a:spLocks noGrp="1" noRot="1" noChangeAspect="1" noMove="1" noResize="1" noEditPoints="1" noAdjustHandles="1" noChangeArrowheads="1" noChangeShapeType="1" noTextEdit="1"/>
+          </p:cNvSpPr>
+          <p:nvPr>
+            <p:extLst>
+              <p:ext uri="{386F3935-93C4-4BCD-93E2-E3B085C9AB24}">
+                <p16:designElem xmlns:p16="http://schemas.microsoft.com/office/powerpoint/2015/main" val="1"/>
+              </p:ext>
+            </p:extLst>
+          </p:nvPr>
+        </p:nvSpPr>
+        <p:spPr>
+          <a:xfrm rot="5400000">
+            <a:off x="4243541" y="1400638"/>
+            <a:ext cx="1463040" cy="18288"/>
+          </a:xfrm>
+          <a:prstGeom prst="rect">
+            <a:avLst/>
+          </a:prstGeom>
+          <a:solidFill>
+            <a:srgbClr val="D5D5D5"/>
+          </a:solidFill>
+          <a:ln w="3175">
+            <a:noFill/>
+          </a:ln>
+          <a:effectLst/>
+        </p:spPr>
+        <p:style>
+          <a:lnRef idx="2">
+            <a:schemeClr val="accent1">
+              <a:shade val="50000"/>
+            </a:schemeClr>
+          </a:lnRef>
+          <a:fillRef idx="1">
+            <a:schemeClr val="accent1"/>
+          </a:fillRef>
+          <a:effectRef idx="0">
+            <a:schemeClr val="accent1"/>
+          </a:effectRef>
+          <a:fontRef idx="minor">
+            <a:schemeClr val="lt1"/>
+          </a:fontRef>
+        </p:style>
+        <p:txBody>
+          <a:bodyPr rtlCol="0" anchor="ctr"/>
+          <a:lstStyle/>
+          <a:p>
+            <a:pPr marL="0" marR="0" lvl="0" indent="0" algn="ctr" defTabSz="914400" rtl="0" eaLnBrk="1" fontAlgn="auto" latinLnBrk="0" hangingPunct="1">
+              <a:lnSpc>
+                <a:spcPct val="100000"/>
+              </a:lnSpc>
+              <a:spcBef>
+                <a:spcPts val="0"/>
+              </a:spcBef>
+              <a:spcAft>
+                <a:spcPts val="0"/>
+              </a:spcAft>
+              <a:buClrTx/>
+              <a:buSzTx/>
+              <a:buFontTx/>
+              <a:buNone/>
+              <a:tabLst/>
+              <a:defRPr/>
+            </a:pPr>
+            <a:endParaRPr kumimoji="0" lang="en-US" sz="1800" b="0" i="0" u="none" strike="noStrike" kern="1200" cap="none" spc="0" normalizeH="0" baseline="0" noProof="0">
+              <a:ln>
+                <a:noFill/>
+              </a:ln>
+              <a:solidFill>
+                <a:prstClr val="white"/>
+              </a:solidFill>
+              <a:effectLst/>
+              <a:uLnTx/>
+              <a:uFillTx/>
+              <a:latin typeface="Calibri" panose="020F0502020204030204"/>
+              <a:ea typeface="+mn-ea"/>
+              <a:cs typeface="+mn-cs"/>
+            </a:endParaRPr>
+          </a:p>
+        </p:txBody>
+      </p:sp>
+      <p:sp>
+        <p:nvSpPr>
+          <p:cNvPr id="12" name="Content Placeholder 4">
+            <a:extLst>
+              <a:ext uri="{FF2B5EF4-FFF2-40B4-BE49-F238E27FC236}">
+                <a16:creationId xmlns:a16="http://schemas.microsoft.com/office/drawing/2014/main" id="{DEF1D28D-67DB-437A-9C71-9876F1FD64B1}"/>
               </a:ext>
             </a:extLst>
           </p:cNvPr>
@@ -4088,19 +4964,118 @@
             <p:ph idx="1"/>
           </p:nvPr>
         </p:nvSpPr>
-        <p:spPr/>
-        <p:txBody>
-          <a:bodyPr/>
-          <a:lstStyle/>
-          <a:p>
-            <a:endParaRPr lang="en-US"/>
+        <p:spPr>
+          <a:xfrm>
+            <a:off x="5300640" y="641850"/>
+            <a:ext cx="6053160" cy="1535865"/>
+          </a:xfrm>
+        </p:spPr>
+        <p:txBody>
+          <a:bodyPr anchor="ctr">
+            <a:normAutofit/>
+          </a:bodyPr>
+          <a:lstStyle/>
+          <a:p>
+            <a:r>
+              <a:rPr lang="en-US" sz="1800" b="1" dirty="0"/>
+              <a:t>Public performance measure </a:t>
+            </a:r>
+            <a:r>
+              <a:rPr lang="en-US" sz="1800" dirty="0"/>
+              <a:t>(PPM): % of trains arriving at their destination within 5 minutes of schedule</a:t>
+            </a:r>
+          </a:p>
+          <a:p>
+            <a:r>
+              <a:rPr lang="en-US" sz="1800" b="1" dirty="0"/>
+              <a:t>On time</a:t>
+            </a:r>
+            <a:r>
+              <a:rPr lang="en-US" sz="1800" dirty="0"/>
+              <a:t>: % of trains arriving at the scheduled time at each station stop on a journey</a:t>
+            </a:r>
+          </a:p>
+        </p:txBody>
+      </p:sp>
+      <p:pic>
+        <p:nvPicPr>
+          <p:cNvPr id="9" name="Picture 8">
+            <a:extLst>
+              <a:ext uri="{FF2B5EF4-FFF2-40B4-BE49-F238E27FC236}">
+                <a16:creationId xmlns:a16="http://schemas.microsoft.com/office/drawing/2014/main" id="{FD5AE809-6CF4-4AEC-AEE2-3013345774C4}"/>
+              </a:ext>
+            </a:extLst>
+          </p:cNvPr>
+          <p:cNvPicPr>
+            <a:picLocks noChangeAspect="1"/>
+          </p:cNvPicPr>
+          <p:nvPr/>
+        </p:nvPicPr>
+        <p:blipFill rotWithShape="1">
+          <a:blip r:embed="rId2"/>
+          <a:srcRect l="-6572" r="-7431" b="5127"/>
+          <a:stretch/>
+        </p:blipFill>
+        <p:spPr>
+          <a:xfrm>
+            <a:off x="554416" y="2661067"/>
+            <a:ext cx="11167447" cy="3484983"/>
+          </a:xfrm>
+          <a:prstGeom prst="rect">
+            <a:avLst/>
+          </a:prstGeom>
+        </p:spPr>
+      </p:pic>
+      <p:sp>
+        <p:nvSpPr>
+          <p:cNvPr id="10" name="TextBox 9">
+            <a:extLst>
+              <a:ext uri="{FF2B5EF4-FFF2-40B4-BE49-F238E27FC236}">
+                <a16:creationId xmlns:a16="http://schemas.microsoft.com/office/drawing/2014/main" id="{2D49BEF2-4D11-4F45-A651-E3D3FACC8E59}"/>
+              </a:ext>
+            </a:extLst>
+          </p:cNvPr>
+          <p:cNvSpPr txBox="1"/>
+          <p:nvPr/>
+        </p:nvSpPr>
+        <p:spPr>
+          <a:xfrm>
+            <a:off x="618424" y="6492875"/>
+            <a:ext cx="7653031" cy="276999"/>
+          </a:xfrm>
+          <a:prstGeom prst="rect">
+            <a:avLst/>
+          </a:prstGeom>
+          <a:noFill/>
+        </p:spPr>
+        <p:txBody>
+          <a:bodyPr wrap="square" rtlCol="0">
+            <a:spAutoFit/>
+          </a:bodyPr>
+          <a:lstStyle/>
+          <a:p>
+            <a:pPr algn="l"/>
+            <a:r>
+              <a:rPr lang="en-US" sz="1200" i="1" dirty="0"/>
+              <a:t>Definition source: Southern Railway, “</a:t>
+            </a:r>
+            <a:r>
+              <a:rPr lang="en-US" sz="1200" i="1" dirty="0">
+                <a:solidFill>
+                  <a:srgbClr val="404040"/>
+                </a:solidFill>
+                <a:effectLst/>
+                <a:latin typeface="Avenir"/>
+              </a:rPr>
+              <a:t>Train service punctuality and reliability”</a:t>
+            </a:r>
           </a:p>
         </p:txBody>
       </p:sp>
     </p:spTree>
     <p:extLst>
       <p:ext uri="{BB962C8B-B14F-4D97-AF65-F5344CB8AC3E}">
-        <p14:creationId xmlns:p14="http://schemas.microsoft.com/office/powerpoint/2010/main" val="4290669473"/>
+        <p14:creationId xmlns:p14="http://schemas.microsoft.com/office/powerpoint/2010/main" val="2455318568"/>
       </p:ext>
     </p:extLst>
   </p:cSld>
@@ -4140,7 +5115,7 @@
           <p:cNvPr id="2" name="Title 1">
             <a:extLst>
               <a:ext uri="{FF2B5EF4-FFF2-40B4-BE49-F238E27FC236}">
-                <a16:creationId xmlns:a16="http://schemas.microsoft.com/office/drawing/2014/main" id="{A02947B3-9E6E-48C4-87BF-76718B78932C}"/>
+                <a16:creationId xmlns:a16="http://schemas.microsoft.com/office/drawing/2014/main" id="{44A22FD7-7F7C-408D-A63B-9DBAC6DE50D9}"/>
               </a:ext>
             </a:extLst>
           </p:cNvPr>
@@ -4151,12 +5126,20 @@
             <p:ph type="title"/>
           </p:nvPr>
         </p:nvSpPr>
-        <p:spPr/>
-        <p:txBody>
-          <a:bodyPr/>
-          <a:lstStyle/>
-          <a:p>
-            <a:endParaRPr lang="en-US"/>
+        <p:spPr>
+          <a:xfrm>
+            <a:off x="4698124" y="360621"/>
+            <a:ext cx="6655675" cy="1325563"/>
+          </a:xfrm>
+        </p:spPr>
+        <p:txBody>
+          <a:bodyPr/>
+          <a:lstStyle/>
+          <a:p>
+            <a:r>
+              <a:rPr lang="en-US" dirty="0"/>
+              <a:t>App</a:t>
+            </a:r>
           </a:p>
         </p:txBody>
       </p:sp>
@@ -4165,7 +5148,7 @@
           <p:cNvPr id="3" name="Content Placeholder 2">
             <a:extLst>
               <a:ext uri="{FF2B5EF4-FFF2-40B4-BE49-F238E27FC236}">
-                <a16:creationId xmlns:a16="http://schemas.microsoft.com/office/drawing/2014/main" id="{6CC9DF95-861F-4041-9E34-F60964F173EF}"/>
+                <a16:creationId xmlns:a16="http://schemas.microsoft.com/office/drawing/2014/main" id="{D21017EB-F6EC-47E3-A762-6158CAB7ED78}"/>
               </a:ext>
             </a:extLst>
           </p:cNvPr>
@@ -4176,19 +5159,432 @@
             <p:ph idx="1"/>
           </p:nvPr>
         </p:nvSpPr>
-        <p:spPr/>
-        <p:txBody>
-          <a:bodyPr/>
-          <a:lstStyle/>
-          <a:p>
-            <a:endParaRPr lang="en-US"/>
+        <p:spPr>
+          <a:xfrm>
+            <a:off x="4698124" y="1819791"/>
+            <a:ext cx="7154750" cy="2175642"/>
+          </a:xfrm>
+        </p:spPr>
+        <p:txBody>
+          <a:bodyPr/>
+          <a:lstStyle/>
+          <a:p>
+            <a:pPr marL="0" indent="0">
+              <a:buNone/>
+            </a:pPr>
+            <a:endParaRPr lang="en-US" dirty="0"/>
+          </a:p>
+        </p:txBody>
+      </p:sp>
+      <p:pic>
+        <p:nvPicPr>
+          <p:cNvPr id="4" name="Picture 3">
+            <a:extLst>
+              <a:ext uri="{FF2B5EF4-FFF2-40B4-BE49-F238E27FC236}">
+                <a16:creationId xmlns:a16="http://schemas.microsoft.com/office/drawing/2014/main" id="{0360EFEB-C929-41A8-B229-F0945A44CB6D}"/>
+              </a:ext>
+            </a:extLst>
+          </p:cNvPr>
+          <p:cNvPicPr>
+            <a:picLocks noChangeAspect="1"/>
+          </p:cNvPicPr>
+          <p:nvPr/>
+        </p:nvPicPr>
+        <p:blipFill>
+          <a:blip r:embed="rId2"/>
+          <a:stretch>
+            <a:fillRect/>
+          </a:stretch>
+        </p:blipFill>
+        <p:spPr>
+          <a:xfrm>
+            <a:off x="1499975" y="88092"/>
+            <a:ext cx="3009307" cy="6546687"/>
+          </a:xfrm>
+          <a:prstGeom prst="rect">
+            <a:avLst/>
+          </a:prstGeom>
+        </p:spPr>
+      </p:pic>
+      <p:pic>
+        <p:nvPicPr>
+          <p:cNvPr id="6" name="Graphic 5">
+            <a:extLst>
+              <a:ext uri="{FF2B5EF4-FFF2-40B4-BE49-F238E27FC236}">
+                <a16:creationId xmlns:a16="http://schemas.microsoft.com/office/drawing/2014/main" id="{F01BB26F-6417-48ED-9F95-D9F9970D2858}"/>
+              </a:ext>
+            </a:extLst>
+          </p:cNvPr>
+          <p:cNvPicPr>
+            <a:picLocks noChangeAspect="1"/>
+          </p:cNvPicPr>
+          <p:nvPr/>
+        </p:nvPicPr>
+        <p:blipFill>
+          <a:blip r:embed="rId3">
+            <a:extLst>
+              <a:ext uri="{96DAC541-7B7A-43D3-8B79-37D633B846F1}">
+                <asvg:svgBlip xmlns:asvg="http://schemas.microsoft.com/office/drawing/2016/SVG/main" r:embed="rId4"/>
+              </a:ext>
+            </a:extLst>
+          </a:blip>
+          <a:stretch>
+            <a:fillRect/>
+          </a:stretch>
+        </p:blipFill>
+        <p:spPr>
+          <a:xfrm>
+            <a:off x="4787625" y="4139129"/>
+            <a:ext cx="409575" cy="428625"/>
+          </a:xfrm>
+          <a:prstGeom prst="rect">
+            <a:avLst/>
+          </a:prstGeom>
+        </p:spPr>
+      </p:pic>
+      <p:pic>
+        <p:nvPicPr>
+          <p:cNvPr id="8" name="Graphic 7">
+            <a:extLst>
+              <a:ext uri="{FF2B5EF4-FFF2-40B4-BE49-F238E27FC236}">
+                <a16:creationId xmlns:a16="http://schemas.microsoft.com/office/drawing/2014/main" id="{8FA10141-ABDF-4C0F-AAB4-14EF54B71921}"/>
+              </a:ext>
+            </a:extLst>
+          </p:cNvPr>
+          <p:cNvPicPr>
+            <a:picLocks noChangeAspect="1"/>
+          </p:cNvPicPr>
+          <p:nvPr/>
+        </p:nvPicPr>
+        <p:blipFill>
+          <a:blip r:embed="rId5">
+            <a:extLst>
+              <a:ext uri="{96DAC541-7B7A-43D3-8B79-37D633B846F1}">
+                <asvg:svgBlip xmlns:asvg="http://schemas.microsoft.com/office/drawing/2016/SVG/main" r:embed="rId6"/>
+              </a:ext>
+            </a:extLst>
+          </a:blip>
+          <a:stretch>
+            <a:fillRect/>
+          </a:stretch>
+        </p:blipFill>
+        <p:spPr>
+          <a:xfrm>
+            <a:off x="4787623" y="4943733"/>
+            <a:ext cx="409575" cy="428625"/>
+          </a:xfrm>
+          <a:prstGeom prst="rect">
+            <a:avLst/>
+          </a:prstGeom>
+        </p:spPr>
+      </p:pic>
+      <p:pic>
+        <p:nvPicPr>
+          <p:cNvPr id="10" name="Graphic 9">
+            <a:extLst>
+              <a:ext uri="{FF2B5EF4-FFF2-40B4-BE49-F238E27FC236}">
+                <a16:creationId xmlns:a16="http://schemas.microsoft.com/office/drawing/2014/main" id="{14244124-CB26-43E6-8320-F26790E0EA3A}"/>
+              </a:ext>
+            </a:extLst>
+          </p:cNvPr>
+          <p:cNvPicPr>
+            <a:picLocks noChangeAspect="1"/>
+          </p:cNvPicPr>
+          <p:nvPr/>
+        </p:nvPicPr>
+        <p:blipFill>
+          <a:blip r:embed="rId7">
+            <a:extLst>
+              <a:ext uri="{96DAC541-7B7A-43D3-8B79-37D633B846F1}">
+                <asvg:svgBlip xmlns:asvg="http://schemas.microsoft.com/office/drawing/2016/SVG/main" r:embed="rId8"/>
+              </a:ext>
+            </a:extLst>
+          </a:blip>
+          <a:stretch>
+            <a:fillRect/>
+          </a:stretch>
+        </p:blipFill>
+        <p:spPr>
+          <a:xfrm>
+            <a:off x="4787623" y="5748338"/>
+            <a:ext cx="409575" cy="428625"/>
+          </a:xfrm>
+          <a:prstGeom prst="rect">
+            <a:avLst/>
+          </a:prstGeom>
+        </p:spPr>
+      </p:pic>
+      <p:pic>
+        <p:nvPicPr>
+          <p:cNvPr id="15" name="Picture 14">
+            <a:extLst>
+              <a:ext uri="{FF2B5EF4-FFF2-40B4-BE49-F238E27FC236}">
+                <a16:creationId xmlns:a16="http://schemas.microsoft.com/office/drawing/2014/main" id="{4A96E104-AC3F-4EC0-96A0-2FD98040201D}"/>
+              </a:ext>
+            </a:extLst>
+          </p:cNvPr>
+          <p:cNvPicPr>
+            <a:picLocks noChangeAspect="1"/>
+          </p:cNvPicPr>
+          <p:nvPr/>
+        </p:nvPicPr>
+        <p:blipFill>
+          <a:blip r:embed="rId9"/>
+          <a:stretch>
+            <a:fillRect/>
+          </a:stretch>
+        </p:blipFill>
+        <p:spPr>
+          <a:xfrm>
+            <a:off x="4698124" y="431284"/>
+            <a:ext cx="3806646" cy="1184690"/>
+          </a:xfrm>
+          <a:prstGeom prst="rect">
+            <a:avLst/>
+          </a:prstGeom>
+        </p:spPr>
+      </p:pic>
+      <p:sp>
+        <p:nvSpPr>
+          <p:cNvPr id="16" name="Content Placeholder 2">
+            <a:extLst>
+              <a:ext uri="{FF2B5EF4-FFF2-40B4-BE49-F238E27FC236}">
+                <a16:creationId xmlns:a16="http://schemas.microsoft.com/office/drawing/2014/main" id="{6D0A42B7-F377-4DAF-B464-B8AA0EA0812A}"/>
+              </a:ext>
+            </a:extLst>
+          </p:cNvPr>
+          <p:cNvSpPr txBox="1">
+            <a:spLocks/>
+          </p:cNvSpPr>
+          <p:nvPr/>
+        </p:nvSpPr>
+        <p:spPr>
+          <a:xfrm>
+            <a:off x="5197198" y="4129040"/>
+            <a:ext cx="6655676" cy="2175642"/>
+          </a:xfrm>
+          <a:prstGeom prst="rect">
+            <a:avLst/>
+          </a:prstGeom>
+        </p:spPr>
+        <p:txBody>
+          <a:bodyPr vert="horz" lIns="91440" tIns="45720" rIns="91440" bIns="45720" rtlCol="0">
+            <a:normAutofit fontScale="92500"/>
+          </a:bodyPr>
+          <a:lstStyle>
+            <a:lvl1pPr marL="228600" indent="-228600" algn="l" defTabSz="914400" rtl="0" eaLnBrk="1" latinLnBrk="0" hangingPunct="1">
+              <a:lnSpc>
+                <a:spcPct val="90000"/>
+              </a:lnSpc>
+              <a:spcBef>
+                <a:spcPts val="1000"/>
+              </a:spcBef>
+              <a:buFont typeface="Arial" panose="020B0604020202020204" pitchFamily="34" charset="0"/>
+              <a:buChar char="•"/>
+              <a:defRPr sz="2800" kern="1200">
+                <a:solidFill>
+                  <a:schemeClr val="tx1"/>
+                </a:solidFill>
+                <a:latin typeface="Segoe UI" panose="020B0502040204020203" pitchFamily="34" charset="0"/>
+                <a:ea typeface="+mn-ea"/>
+                <a:cs typeface="Segoe UI" panose="020B0502040204020203" pitchFamily="34" charset="0"/>
+              </a:defRPr>
+            </a:lvl1pPr>
+            <a:lvl2pPr marL="685800" indent="-228600" algn="l" defTabSz="914400" rtl="0" eaLnBrk="1" latinLnBrk="0" hangingPunct="1">
+              <a:lnSpc>
+                <a:spcPct val="90000"/>
+              </a:lnSpc>
+              <a:spcBef>
+                <a:spcPts val="500"/>
+              </a:spcBef>
+              <a:buFont typeface="Arial" panose="020B0604020202020204" pitchFamily="34" charset="0"/>
+              <a:buChar char="•"/>
+              <a:defRPr sz="2400" kern="1200">
+                <a:solidFill>
+                  <a:schemeClr val="tx1"/>
+                </a:solidFill>
+                <a:latin typeface="Segoe UI" panose="020B0502040204020203" pitchFamily="34" charset="0"/>
+                <a:ea typeface="+mn-ea"/>
+                <a:cs typeface="Segoe UI" panose="020B0502040204020203" pitchFamily="34" charset="0"/>
+              </a:defRPr>
+            </a:lvl2pPr>
+            <a:lvl3pPr marL="1143000" indent="-228600" algn="l" defTabSz="914400" rtl="0" eaLnBrk="1" latinLnBrk="0" hangingPunct="1">
+              <a:lnSpc>
+                <a:spcPct val="90000"/>
+              </a:lnSpc>
+              <a:spcBef>
+                <a:spcPts val="500"/>
+              </a:spcBef>
+              <a:buFont typeface="Arial" panose="020B0604020202020204" pitchFamily="34" charset="0"/>
+              <a:buChar char="•"/>
+              <a:defRPr sz="2000" kern="1200">
+                <a:solidFill>
+                  <a:schemeClr val="tx1"/>
+                </a:solidFill>
+                <a:latin typeface="Segoe UI" panose="020B0502040204020203" pitchFamily="34" charset="0"/>
+                <a:ea typeface="+mn-ea"/>
+                <a:cs typeface="Segoe UI" panose="020B0502040204020203" pitchFamily="34" charset="0"/>
+              </a:defRPr>
+            </a:lvl3pPr>
+            <a:lvl4pPr marL="1600200" indent="-228600" algn="l" defTabSz="914400" rtl="0" eaLnBrk="1" latinLnBrk="0" hangingPunct="1">
+              <a:lnSpc>
+                <a:spcPct val="90000"/>
+              </a:lnSpc>
+              <a:spcBef>
+                <a:spcPts val="500"/>
+              </a:spcBef>
+              <a:buFont typeface="Arial" panose="020B0604020202020204" pitchFamily="34" charset="0"/>
+              <a:buChar char="•"/>
+              <a:defRPr sz="1800" kern="1200">
+                <a:solidFill>
+                  <a:schemeClr val="tx1"/>
+                </a:solidFill>
+                <a:latin typeface="Segoe UI" panose="020B0502040204020203" pitchFamily="34" charset="0"/>
+                <a:ea typeface="+mn-ea"/>
+                <a:cs typeface="Segoe UI" panose="020B0502040204020203" pitchFamily="34" charset="0"/>
+              </a:defRPr>
+            </a:lvl4pPr>
+            <a:lvl5pPr marL="2057400" indent="-228600" algn="l" defTabSz="914400" rtl="0" eaLnBrk="1" latinLnBrk="0" hangingPunct="1">
+              <a:lnSpc>
+                <a:spcPct val="90000"/>
+              </a:lnSpc>
+              <a:spcBef>
+                <a:spcPts val="500"/>
+              </a:spcBef>
+              <a:buFont typeface="Arial" panose="020B0604020202020204" pitchFamily="34" charset="0"/>
+              <a:buChar char="•"/>
+              <a:defRPr sz="1800" kern="1200">
+                <a:solidFill>
+                  <a:schemeClr val="tx1"/>
+                </a:solidFill>
+                <a:latin typeface="Segoe UI" panose="020B0502040204020203" pitchFamily="34" charset="0"/>
+                <a:ea typeface="+mn-ea"/>
+                <a:cs typeface="Segoe UI" panose="020B0502040204020203" pitchFamily="34" charset="0"/>
+              </a:defRPr>
+            </a:lvl5pPr>
+            <a:lvl6pPr marL="2514600" indent="-228600" algn="l" defTabSz="914400" rtl="0" eaLnBrk="1" latinLnBrk="0" hangingPunct="1">
+              <a:lnSpc>
+                <a:spcPct val="90000"/>
+              </a:lnSpc>
+              <a:spcBef>
+                <a:spcPts val="500"/>
+              </a:spcBef>
+              <a:buFont typeface="Arial" panose="020B0604020202020204" pitchFamily="34" charset="0"/>
+              <a:buChar char="•"/>
+              <a:defRPr sz="1800" kern="1200">
+                <a:solidFill>
+                  <a:schemeClr val="tx1"/>
+                </a:solidFill>
+                <a:latin typeface="+mn-lt"/>
+                <a:ea typeface="+mn-ea"/>
+                <a:cs typeface="+mn-cs"/>
+              </a:defRPr>
+            </a:lvl6pPr>
+            <a:lvl7pPr marL="2971800" indent="-228600" algn="l" defTabSz="914400" rtl="0" eaLnBrk="1" latinLnBrk="0" hangingPunct="1">
+              <a:lnSpc>
+                <a:spcPct val="90000"/>
+              </a:lnSpc>
+              <a:spcBef>
+                <a:spcPts val="500"/>
+              </a:spcBef>
+              <a:buFont typeface="Arial" panose="020B0604020202020204" pitchFamily="34" charset="0"/>
+              <a:buChar char="•"/>
+              <a:defRPr sz="1800" kern="1200">
+                <a:solidFill>
+                  <a:schemeClr val="tx1"/>
+                </a:solidFill>
+                <a:latin typeface="+mn-lt"/>
+                <a:ea typeface="+mn-ea"/>
+                <a:cs typeface="+mn-cs"/>
+              </a:defRPr>
+            </a:lvl7pPr>
+            <a:lvl8pPr marL="3429000" indent="-228600" algn="l" defTabSz="914400" rtl="0" eaLnBrk="1" latinLnBrk="0" hangingPunct="1">
+              <a:lnSpc>
+                <a:spcPct val="90000"/>
+              </a:lnSpc>
+              <a:spcBef>
+                <a:spcPts val="500"/>
+              </a:spcBef>
+              <a:buFont typeface="Arial" panose="020B0604020202020204" pitchFamily="34" charset="0"/>
+              <a:buChar char="•"/>
+              <a:defRPr sz="1800" kern="1200">
+                <a:solidFill>
+                  <a:schemeClr val="tx1"/>
+                </a:solidFill>
+                <a:latin typeface="+mn-lt"/>
+                <a:ea typeface="+mn-ea"/>
+                <a:cs typeface="+mn-cs"/>
+              </a:defRPr>
+            </a:lvl8pPr>
+            <a:lvl9pPr marL="3886200" indent="-228600" algn="l" defTabSz="914400" rtl="0" eaLnBrk="1" latinLnBrk="0" hangingPunct="1">
+              <a:lnSpc>
+                <a:spcPct val="90000"/>
+              </a:lnSpc>
+              <a:spcBef>
+                <a:spcPts val="500"/>
+              </a:spcBef>
+              <a:buFont typeface="Arial" panose="020B0604020202020204" pitchFamily="34" charset="0"/>
+              <a:buChar char="•"/>
+              <a:defRPr sz="1800" kern="1200">
+                <a:solidFill>
+                  <a:schemeClr val="tx1"/>
+                </a:solidFill>
+                <a:latin typeface="+mn-lt"/>
+                <a:ea typeface="+mn-ea"/>
+                <a:cs typeface="+mn-cs"/>
+              </a:defRPr>
+            </a:lvl9pPr>
+          </a:lstStyle>
+          <a:p>
+            <a:pPr marL="0" indent="0">
+              <a:buFont typeface="Arial" panose="020B0604020202020204" pitchFamily="34" charset="0"/>
+              <a:buNone/>
+            </a:pPr>
+            <a:r>
+              <a:rPr lang="en-US" sz="2400" dirty="0"/>
+              <a:t>Red = &gt;30 minutes combined predicted delay</a:t>
+            </a:r>
+          </a:p>
+          <a:p>
+            <a:pPr marL="0" indent="0">
+              <a:buFont typeface="Arial" panose="020B0604020202020204" pitchFamily="34" charset="0"/>
+              <a:buNone/>
+            </a:pPr>
+            <a:endParaRPr lang="en-US" sz="2400" dirty="0"/>
+          </a:p>
+          <a:p>
+            <a:pPr marL="0" indent="0">
+              <a:buFont typeface="Arial" panose="020B0604020202020204" pitchFamily="34" charset="0"/>
+              <a:buNone/>
+            </a:pPr>
+            <a:r>
+              <a:rPr lang="en-US" sz="2400" dirty="0"/>
+              <a:t>Orange = 20-30 minutes combined predicted delay</a:t>
+            </a:r>
+          </a:p>
+          <a:p>
+            <a:pPr marL="0" indent="0">
+              <a:buFont typeface="Arial" panose="020B0604020202020204" pitchFamily="34" charset="0"/>
+              <a:buNone/>
+            </a:pPr>
+            <a:endParaRPr lang="en-US" sz="2400" dirty="0"/>
+          </a:p>
+          <a:p>
+            <a:pPr marL="0" indent="0">
+              <a:buFont typeface="Arial" panose="020B0604020202020204" pitchFamily="34" charset="0"/>
+              <a:buNone/>
+            </a:pPr>
+            <a:r>
+              <a:rPr lang="en-US" sz="2400" dirty="0"/>
+              <a:t>Yellow = 10-20 minutes combined predicted delay</a:t>
+            </a:r>
           </a:p>
         </p:txBody>
       </p:sp>
     </p:spTree>
     <p:extLst>
       <p:ext uri="{BB962C8B-B14F-4D97-AF65-F5344CB8AC3E}">
-        <p14:creationId xmlns:p14="http://schemas.microsoft.com/office/powerpoint/2010/main" val="2629115398"/>
+        <p14:creationId xmlns:p14="http://schemas.microsoft.com/office/powerpoint/2010/main" val="262154868"/>
       </p:ext>
     </p:extLst>
   </p:cSld>
@@ -4223,12 +5619,42 @@
           <a:chExt cx="0" cy="0"/>
         </a:xfrm>
       </p:grpSpPr>
-      <p:sp>
-        <p:nvSpPr>
-          <p:cNvPr id="2" name="Title 1">
-            <a:extLst>
-              <a:ext uri="{FF2B5EF4-FFF2-40B4-BE49-F238E27FC236}">
-                <a16:creationId xmlns:a16="http://schemas.microsoft.com/office/drawing/2014/main" id="{EB9AC002-A68B-41C5-8246-CAC75D24418E}"/>
+      <p:pic>
+        <p:nvPicPr>
+          <p:cNvPr id="5" name="Picture 4">
+            <a:extLst>
+              <a:ext uri="{FF2B5EF4-FFF2-40B4-BE49-F238E27FC236}">
+                <a16:creationId xmlns:a16="http://schemas.microsoft.com/office/drawing/2014/main" id="{F0006F33-02D1-4DAE-807F-AE7116E4EF11}"/>
+              </a:ext>
+            </a:extLst>
+          </p:cNvPr>
+          <p:cNvPicPr>
+            <a:picLocks noChangeAspect="1"/>
+          </p:cNvPicPr>
+          <p:nvPr/>
+        </p:nvPicPr>
+        <p:blipFill>
+          <a:blip r:embed="rId2"/>
+          <a:stretch>
+            <a:fillRect/>
+          </a:stretch>
+        </p:blipFill>
+        <p:spPr>
+          <a:xfrm>
+            <a:off x="1495174" y="105854"/>
+            <a:ext cx="3013301" cy="6565212"/>
+          </a:xfrm>
+          <a:prstGeom prst="rect">
+            <a:avLst/>
+          </a:prstGeom>
+        </p:spPr>
+      </p:pic>
+      <p:sp>
+        <p:nvSpPr>
+          <p:cNvPr id="8" name="Title 1">
+            <a:extLst>
+              <a:ext uri="{FF2B5EF4-FFF2-40B4-BE49-F238E27FC236}">
+                <a16:creationId xmlns:a16="http://schemas.microsoft.com/office/drawing/2014/main" id="{AE06BE6D-DE9F-4632-B8ED-DBBBC5D18627}"/>
               </a:ext>
             </a:extLst>
           </p:cNvPr>
@@ -4239,21 +5665,26 @@
             <p:ph type="title"/>
           </p:nvPr>
         </p:nvSpPr>
-        <p:spPr/>
-        <p:txBody>
-          <a:bodyPr/>
-          <a:lstStyle/>
-          <a:p>
-            <a:endParaRPr lang="en-US"/>
-          </a:p>
-        </p:txBody>
-      </p:sp>
-      <p:sp>
-        <p:nvSpPr>
-          <p:cNvPr id="3" name="Content Placeholder 2">
-            <a:extLst>
-              <a:ext uri="{FF2B5EF4-FFF2-40B4-BE49-F238E27FC236}">
-                <a16:creationId xmlns:a16="http://schemas.microsoft.com/office/drawing/2014/main" id="{990C3AC2-7105-442D-BF41-7747649A9533}"/>
+        <p:spPr>
+          <a:xfrm>
+            <a:off x="6026932" y="365125"/>
+            <a:ext cx="5326867" cy="1325563"/>
+          </a:xfrm>
+        </p:spPr>
+        <p:txBody>
+          <a:bodyPr/>
+          <a:lstStyle/>
+          <a:p>
+            <a:endParaRPr lang="en-US" dirty="0"/>
+          </a:p>
+        </p:txBody>
+      </p:sp>
+      <p:sp>
+        <p:nvSpPr>
+          <p:cNvPr id="9" name="Content Placeholder 2">
+            <a:extLst>
+              <a:ext uri="{FF2B5EF4-FFF2-40B4-BE49-F238E27FC236}">
+                <a16:creationId xmlns:a16="http://schemas.microsoft.com/office/drawing/2014/main" id="{FD3A4123-AC9E-427F-A193-405D64F71AD3}"/>
               </a:ext>
             </a:extLst>
           </p:cNvPr>
@@ -4264,19 +5695,54 @@
             <p:ph idx="1"/>
           </p:nvPr>
         </p:nvSpPr>
-        <p:spPr/>
-        <p:txBody>
-          <a:bodyPr/>
-          <a:lstStyle/>
-          <a:p>
-            <a:endParaRPr lang="en-US"/>
-          </a:p>
-        </p:txBody>
-      </p:sp>
+        <p:spPr>
+          <a:xfrm>
+            <a:off x="4698124" y="1825625"/>
+            <a:ext cx="6655676" cy="4351338"/>
+          </a:xfrm>
+        </p:spPr>
+        <p:txBody>
+          <a:bodyPr/>
+          <a:lstStyle/>
+          <a:p>
+            <a:endParaRPr lang="en-US" dirty="0"/>
+          </a:p>
+        </p:txBody>
+      </p:sp>
+      <p:pic>
+        <p:nvPicPr>
+          <p:cNvPr id="10" name="Picture 9">
+            <a:extLst>
+              <a:ext uri="{FF2B5EF4-FFF2-40B4-BE49-F238E27FC236}">
+                <a16:creationId xmlns:a16="http://schemas.microsoft.com/office/drawing/2014/main" id="{BE4B7711-A8AA-4EA1-A5A7-B894BAF1E3B3}"/>
+              </a:ext>
+            </a:extLst>
+          </p:cNvPr>
+          <p:cNvPicPr>
+            <a:picLocks noChangeAspect="1"/>
+          </p:cNvPicPr>
+          <p:nvPr/>
+        </p:nvPicPr>
+        <p:blipFill>
+          <a:blip r:embed="rId3"/>
+          <a:stretch>
+            <a:fillRect/>
+          </a:stretch>
+        </p:blipFill>
+        <p:spPr>
+          <a:xfrm>
+            <a:off x="4698124" y="430830"/>
+            <a:ext cx="1191955" cy="1185144"/>
+          </a:xfrm>
+          <a:prstGeom prst="rect">
+            <a:avLst/>
+          </a:prstGeom>
+        </p:spPr>
+      </p:pic>
     </p:spTree>
     <p:extLst>
       <p:ext uri="{BB962C8B-B14F-4D97-AF65-F5344CB8AC3E}">
-        <p14:creationId xmlns:p14="http://schemas.microsoft.com/office/powerpoint/2010/main" val="1925680051"/>
+        <p14:creationId xmlns:p14="http://schemas.microsoft.com/office/powerpoint/2010/main" val="4290669473"/>
       </p:ext>
     </p:extLst>
   </p:cSld>
@@ -4316,7 +5782,7 @@
           <p:cNvPr id="2" name="Title 1">
             <a:extLst>
               <a:ext uri="{FF2B5EF4-FFF2-40B4-BE49-F238E27FC236}">
-                <a16:creationId xmlns:a16="http://schemas.microsoft.com/office/drawing/2014/main" id="{D4C2227C-6C66-46C1-B886-7F348916B0C7}"/>
+                <a16:creationId xmlns:a16="http://schemas.microsoft.com/office/drawing/2014/main" id="{DA03F57F-7B22-4745-8984-7B8595A82254}"/>
               </a:ext>
             </a:extLst>
           </p:cNvPr>
@@ -4334,7 +5800,7 @@
           <a:p>
             <a:r>
               <a:rPr lang="en-US" dirty="0"/>
-              <a:t>Data Structure</a:t>
+              <a:t>Regression Model</a:t>
             </a:r>
           </a:p>
         </p:txBody>
@@ -4344,7 +5810,7 @@
           <p:cNvPr id="3" name="Content Placeholder 2">
             <a:extLst>
               <a:ext uri="{FF2B5EF4-FFF2-40B4-BE49-F238E27FC236}">
-                <a16:creationId xmlns:a16="http://schemas.microsoft.com/office/drawing/2014/main" id="{CC0B94D3-67B1-400D-8B56-BA9394280460}"/>
+                <a16:creationId xmlns:a16="http://schemas.microsoft.com/office/drawing/2014/main" id="{1BAFB8B6-0E55-40F8-A9D2-0EF86A8D1B55}"/>
               </a:ext>
             </a:extLst>
           </p:cNvPr>
@@ -4362,13 +5828,7 @@
           <a:p>
             <a:r>
               <a:rPr lang="en-US" dirty="0"/>
-              <a:t>What is in the data</a:t>
-            </a:r>
-          </a:p>
-          <a:p>
-            <a:r>
-              <a:rPr lang="en-US" dirty="0"/>
-              <a:t>What else we draw </a:t>
+              <a:t>Independent Variables</a:t>
             </a:r>
           </a:p>
         </p:txBody>
@@ -4376,7 +5836,7 @@
     </p:spTree>
     <p:extLst>
       <p:ext uri="{BB962C8B-B14F-4D97-AF65-F5344CB8AC3E}">
-        <p14:creationId xmlns:p14="http://schemas.microsoft.com/office/powerpoint/2010/main" val="1476681227"/>
+        <p14:creationId xmlns:p14="http://schemas.microsoft.com/office/powerpoint/2010/main" val="1013530532"/>
       </p:ext>
     </p:extLst>
   </p:cSld>
@@ -4416,7 +5876,7 @@
           <p:cNvPr id="2" name="Title 1">
             <a:extLst>
               <a:ext uri="{FF2B5EF4-FFF2-40B4-BE49-F238E27FC236}">
-                <a16:creationId xmlns:a16="http://schemas.microsoft.com/office/drawing/2014/main" id="{DA03F57F-7B22-4745-8984-7B8595A82254}"/>
+                <a16:creationId xmlns:a16="http://schemas.microsoft.com/office/drawing/2014/main" id="{084B9EEF-033A-4D99-9735-EE31E6ED3356}"/>
               </a:ext>
             </a:extLst>
           </p:cNvPr>
@@ -4434,7 +5894,7 @@
           <a:p>
             <a:r>
               <a:rPr lang="en-US" dirty="0"/>
-              <a:t>Regression Model</a:t>
+              <a:t>Results</a:t>
             </a:r>
           </a:p>
         </p:txBody>
@@ -4444,7 +5904,7 @@
           <p:cNvPr id="3" name="Content Placeholder 2">
             <a:extLst>
               <a:ext uri="{FF2B5EF4-FFF2-40B4-BE49-F238E27FC236}">
-                <a16:creationId xmlns:a16="http://schemas.microsoft.com/office/drawing/2014/main" id="{1BAFB8B6-0E55-40F8-A9D2-0EF86A8D1B55}"/>
+                <a16:creationId xmlns:a16="http://schemas.microsoft.com/office/drawing/2014/main" id="{17D041C9-7915-4F09-9CF4-C6EBEBFBFD9B}"/>
               </a:ext>
             </a:extLst>
           </p:cNvPr>
@@ -4460,17 +5920,14 @@
           <a:bodyPr/>
           <a:lstStyle/>
           <a:p>
-            <a:r>
-              <a:rPr lang="en-US" dirty="0"/>
-              <a:t>Independent Variables</a:t>
-            </a:r>
+            <a:endParaRPr lang="en-US"/>
           </a:p>
         </p:txBody>
       </p:sp>
     </p:spTree>
     <p:extLst>
       <p:ext uri="{BB962C8B-B14F-4D97-AF65-F5344CB8AC3E}">
-        <p14:creationId xmlns:p14="http://schemas.microsoft.com/office/powerpoint/2010/main" val="1013530532"/>
+        <p14:creationId xmlns:p14="http://schemas.microsoft.com/office/powerpoint/2010/main" val="3462749974"/>
       </p:ext>
     </p:extLst>
   </p:cSld>
